--- a/changgyu_참고자료/dataprocess.pptx
+++ b/changgyu_참고자료/dataprocess.pptx
@@ -104,6 +104,11 @@
       </a:defRPr>
     </a:lvl9pPr>
   </p:defaultTextStyle>
+  <p:extLst>
+    <p:ext uri="{EFAFB233-063F-42B5-8137-9DF3F51BA10A}">
+      <p15:sldGuideLst xmlns:p15="http://schemas.microsoft.com/office/powerpoint/2012/main"/>
+    </p:ext>
+  </p:extLst>
 </p:presentation>
 </file>
 
@@ -2966,515 +2971,338 @@
           <a:chExt cx="0" cy="0"/>
         </a:xfrm>
       </p:grpSpPr>
+      <p:sp>
+        <p:nvSpPr>
+          <p:cNvPr id="57" name="모서리가 둥근 직사각형 56"/>
+          <p:cNvSpPr/>
+          <p:nvPr/>
+        </p:nvSpPr>
+        <p:spPr>
+          <a:xfrm>
+            <a:off x="3615881" y="4657246"/>
+            <a:ext cx="2328812" cy="1182838"/>
+          </a:xfrm>
+          <a:prstGeom prst="roundRect">
+            <a:avLst/>
+          </a:prstGeom>
+          <a:noFill/>
+          <a:ln>
+            <a:solidFill>
+              <a:schemeClr val="tx1"/>
+            </a:solidFill>
+          </a:ln>
+        </p:spPr>
+        <p:style>
+          <a:lnRef idx="2">
+            <a:schemeClr val="accent1">
+              <a:shade val="50000"/>
+            </a:schemeClr>
+          </a:lnRef>
+          <a:fillRef idx="1">
+            <a:schemeClr val="accent1"/>
+          </a:fillRef>
+          <a:effectRef idx="0">
+            <a:schemeClr val="accent1"/>
+          </a:effectRef>
+          <a:fontRef idx="minor">
+            <a:schemeClr val="lt1"/>
+          </a:fontRef>
+        </p:style>
+        <p:txBody>
+          <a:bodyPr rtlCol="0" anchor="ctr"/>
+          <a:lstStyle/>
+          <a:p>
+            <a:pPr algn="ctr"/>
+            <a:r>
+              <a:rPr lang="en-US" altLang="ko-KR" sz="2400" b="1" dirty="0">
+                <a:solidFill>
+                  <a:schemeClr val="tx1"/>
+                </a:solidFill>
+                <a:latin typeface="Times New Roman" panose="02020603050405020304" pitchFamily="18" charset="0"/>
+                <a:cs typeface="Times New Roman" panose="02020603050405020304" pitchFamily="18" charset="0"/>
+              </a:rPr>
+              <a:t>Global position receiving thread</a:t>
+            </a:r>
+            <a:endParaRPr lang="ko-KR" altLang="en-US" sz="2400" b="1" dirty="0">
+              <a:solidFill>
+                <a:schemeClr val="tx1"/>
+              </a:solidFill>
+              <a:latin typeface="Times New Roman" panose="02020603050405020304" pitchFamily="18" charset="0"/>
+              <a:cs typeface="Times New Roman" panose="02020603050405020304" pitchFamily="18" charset="0"/>
+            </a:endParaRPr>
+          </a:p>
+        </p:txBody>
+      </p:sp>
+      <p:sp>
+        <p:nvSpPr>
+          <p:cNvPr id="58" name="모서리가 둥근 직사각형 57"/>
+          <p:cNvSpPr/>
+          <p:nvPr/>
+        </p:nvSpPr>
+        <p:spPr>
+          <a:xfrm>
+            <a:off x="6444019" y="3092271"/>
+            <a:ext cx="2599774" cy="1774257"/>
+          </a:xfrm>
+          <a:prstGeom prst="roundRect">
+            <a:avLst/>
+          </a:prstGeom>
+          <a:noFill/>
+          <a:ln>
+            <a:solidFill>
+              <a:schemeClr val="tx1"/>
+            </a:solidFill>
+          </a:ln>
+        </p:spPr>
+        <p:style>
+          <a:lnRef idx="2">
+            <a:schemeClr val="accent1">
+              <a:shade val="50000"/>
+            </a:schemeClr>
+          </a:lnRef>
+          <a:fillRef idx="1">
+            <a:schemeClr val="accent1"/>
+          </a:fillRef>
+          <a:effectRef idx="0">
+            <a:schemeClr val="accent1"/>
+          </a:effectRef>
+          <a:fontRef idx="minor">
+            <a:schemeClr val="lt1"/>
+          </a:fontRef>
+        </p:style>
+        <p:txBody>
+          <a:bodyPr rtlCol="0" anchor="ctr"/>
+          <a:lstStyle/>
+          <a:p>
+            <a:pPr algn="ctr"/>
+            <a:r>
+              <a:rPr lang="en-US" altLang="ko-KR" sz="2800" b="1" dirty="0">
+                <a:solidFill>
+                  <a:schemeClr val="tx1"/>
+                </a:solidFill>
+                <a:latin typeface="Times New Roman" panose="02020603050405020304" pitchFamily="18" charset="0"/>
+                <a:cs typeface="Times New Roman" panose="02020603050405020304" pitchFamily="18" charset="0"/>
+              </a:rPr>
+              <a:t>Concatenating</a:t>
+            </a:r>
+          </a:p>
+          <a:p>
+            <a:pPr algn="ctr"/>
+            <a:r>
+              <a:rPr lang="en-US" altLang="ko-KR" sz="2800" b="1" dirty="0">
+                <a:solidFill>
+                  <a:schemeClr val="tx1"/>
+                </a:solidFill>
+                <a:latin typeface="Times New Roman" panose="02020603050405020304" pitchFamily="18" charset="0"/>
+                <a:cs typeface="Times New Roman" panose="02020603050405020304" pitchFamily="18" charset="0"/>
+              </a:rPr>
+              <a:t>and</a:t>
+            </a:r>
+          </a:p>
+          <a:p>
+            <a:pPr algn="ctr"/>
+            <a:r>
+              <a:rPr lang="en-US" altLang="ko-KR" sz="2800" b="1" dirty="0">
+                <a:solidFill>
+                  <a:schemeClr val="tx1"/>
+                </a:solidFill>
+                <a:latin typeface="Times New Roman" panose="02020603050405020304" pitchFamily="18" charset="0"/>
+                <a:cs typeface="Times New Roman" panose="02020603050405020304" pitchFamily="18" charset="0"/>
+              </a:rPr>
+              <a:t>saving thread</a:t>
+            </a:r>
+            <a:endParaRPr lang="ko-KR" altLang="en-US" sz="2800" b="1" dirty="0">
+              <a:solidFill>
+                <a:schemeClr val="tx1"/>
+              </a:solidFill>
+              <a:latin typeface="Times New Roman" panose="02020603050405020304" pitchFamily="18" charset="0"/>
+              <a:cs typeface="Times New Roman" panose="02020603050405020304" pitchFamily="18" charset="0"/>
+            </a:endParaRPr>
+          </a:p>
+        </p:txBody>
+      </p:sp>
+      <p:sp>
+        <p:nvSpPr>
+          <p:cNvPr id="62" name="모서리가 둥근 직사각형 61"/>
+          <p:cNvSpPr/>
+          <p:nvPr/>
+        </p:nvSpPr>
+        <p:spPr>
+          <a:xfrm>
+            <a:off x="3615881" y="2066003"/>
+            <a:ext cx="2328812" cy="1182838"/>
+          </a:xfrm>
+          <a:prstGeom prst="roundRect">
+            <a:avLst/>
+          </a:prstGeom>
+          <a:noFill/>
+          <a:ln>
+            <a:solidFill>
+              <a:schemeClr val="tx1"/>
+            </a:solidFill>
+          </a:ln>
+        </p:spPr>
+        <p:style>
+          <a:lnRef idx="2">
+            <a:schemeClr val="accent1">
+              <a:shade val="50000"/>
+            </a:schemeClr>
+          </a:lnRef>
+          <a:fillRef idx="1">
+            <a:schemeClr val="accent1"/>
+          </a:fillRef>
+          <a:effectRef idx="0">
+            <a:schemeClr val="accent1"/>
+          </a:effectRef>
+          <a:fontRef idx="minor">
+            <a:schemeClr val="lt1"/>
+          </a:fontRef>
+        </p:style>
+        <p:txBody>
+          <a:bodyPr rtlCol="0" anchor="ctr"/>
+          <a:lstStyle/>
+          <a:p>
+            <a:pPr algn="ctr"/>
+            <a:r>
+              <a:rPr lang="en-US" altLang="ko-KR" sz="2400" b="1" dirty="0">
+                <a:solidFill>
+                  <a:schemeClr val="tx1"/>
+                </a:solidFill>
+                <a:latin typeface="Times New Roman" panose="02020603050405020304" pitchFamily="18" charset="0"/>
+                <a:cs typeface="Times New Roman" panose="02020603050405020304" pitchFamily="18" charset="0"/>
+              </a:rPr>
+              <a:t>UWB distance receiving thread</a:t>
+            </a:r>
+            <a:endParaRPr lang="ko-KR" altLang="en-US" sz="2400" b="1" dirty="0">
+              <a:solidFill>
+                <a:schemeClr val="tx1"/>
+              </a:solidFill>
+              <a:latin typeface="Times New Roman" panose="02020603050405020304" pitchFamily="18" charset="0"/>
+              <a:cs typeface="Times New Roman" panose="02020603050405020304" pitchFamily="18" charset="0"/>
+            </a:endParaRPr>
+          </a:p>
+        </p:txBody>
+      </p:sp>
+      <p:cxnSp>
+        <p:nvCxnSpPr>
+          <p:cNvPr id="9" name="꺾인 연결선 8"/>
+          <p:cNvCxnSpPr>
+            <a:stCxn id="57" idx="3"/>
+            <a:endCxn id="58" idx="1"/>
+          </p:cNvCxnSpPr>
+          <p:nvPr/>
+        </p:nvCxnSpPr>
+        <p:spPr>
+          <a:xfrm flipV="1">
+            <a:off x="5944694" y="3979399"/>
+            <a:ext cx="499325" cy="1269265"/>
+          </a:xfrm>
+          <a:prstGeom prst="bentConnector3">
+            <a:avLst>
+              <a:gd name="adj1" fmla="val 50000"/>
+            </a:avLst>
+          </a:prstGeom>
+          <a:ln>
+            <a:solidFill>
+              <a:schemeClr val="tx1"/>
+            </a:solidFill>
+            <a:tailEnd type="triangle"/>
+          </a:ln>
+        </p:spPr>
+        <p:style>
+          <a:lnRef idx="1">
+            <a:schemeClr val="accent1"/>
+          </a:lnRef>
+          <a:fillRef idx="0">
+            <a:schemeClr val="accent1"/>
+          </a:fillRef>
+          <a:effectRef idx="0">
+            <a:schemeClr val="accent1"/>
+          </a:effectRef>
+          <a:fontRef idx="minor">
+            <a:schemeClr val="tx1"/>
+          </a:fontRef>
+        </p:style>
+      </p:cxnSp>
+      <p:cxnSp>
+        <p:nvCxnSpPr>
+          <p:cNvPr id="11" name="꺾인 연결선 10"/>
+          <p:cNvCxnSpPr>
+            <a:stCxn id="62" idx="3"/>
+            <a:endCxn id="58" idx="1"/>
+          </p:cNvCxnSpPr>
+          <p:nvPr/>
+        </p:nvCxnSpPr>
+        <p:spPr>
+          <a:xfrm>
+            <a:off x="5944694" y="2657422"/>
+            <a:ext cx="499325" cy="1321977"/>
+          </a:xfrm>
+          <a:prstGeom prst="bentConnector3">
+            <a:avLst>
+              <a:gd name="adj1" fmla="val 50000"/>
+            </a:avLst>
+          </a:prstGeom>
+          <a:ln>
+            <a:solidFill>
+              <a:schemeClr val="tx1"/>
+            </a:solidFill>
+            <a:tailEnd type="triangle"/>
+          </a:ln>
+        </p:spPr>
+        <p:style>
+          <a:lnRef idx="1">
+            <a:schemeClr val="accent1"/>
+          </a:lnRef>
+          <a:fillRef idx="0">
+            <a:schemeClr val="accent1"/>
+          </a:fillRef>
+          <a:effectRef idx="0">
+            <a:schemeClr val="accent1"/>
+          </a:effectRef>
+          <a:fontRef idx="minor">
+            <a:schemeClr val="tx1"/>
+          </a:fontRef>
+        </p:style>
+      </p:cxnSp>
       <p:grpSp>
         <p:nvGrpSpPr>
-          <p:cNvPr id="116" name="그룹 115"/>
+          <p:cNvPr id="99" name="그룹 98"/>
           <p:cNvGrpSpPr/>
           <p:nvPr/>
         </p:nvGrpSpPr>
         <p:grpSpPr>
           <a:xfrm>
-            <a:off x="360002" y="952201"/>
-            <a:ext cx="8426373" cy="4958124"/>
-            <a:chOff x="4134289" y="3179761"/>
-            <a:chExt cx="5621387" cy="3018038"/>
+            <a:off x="1949537" y="1028277"/>
+            <a:ext cx="1826218" cy="2506025"/>
+            <a:chOff x="4329996" y="3088825"/>
+            <a:chExt cx="1169807" cy="1525431"/>
           </a:xfrm>
         </p:grpSpPr>
-        <p:sp>
-          <p:nvSpPr>
-            <p:cNvPr id="57" name="모서리가 둥근 직사각형 56"/>
-            <p:cNvSpPr/>
-            <p:nvPr/>
-          </p:nvSpPr>
-          <p:spPr>
-            <a:xfrm>
-              <a:off x="6450488" y="5297799"/>
-              <a:ext cx="1368000" cy="720000"/>
-            </a:xfrm>
-            <a:prstGeom prst="roundRect">
-              <a:avLst/>
-            </a:prstGeom>
-            <a:noFill/>
-            <a:ln>
-              <a:solidFill>
-                <a:schemeClr val="tx1"/>
-              </a:solidFill>
-            </a:ln>
-          </p:spPr>
-          <p:style>
-            <a:lnRef idx="2">
-              <a:schemeClr val="accent1">
-                <a:shade val="50000"/>
-              </a:schemeClr>
-            </a:lnRef>
-            <a:fillRef idx="1">
-              <a:schemeClr val="accent1"/>
-            </a:fillRef>
-            <a:effectRef idx="0">
-              <a:schemeClr val="accent1"/>
-            </a:effectRef>
-            <a:fontRef idx="minor">
-              <a:schemeClr val="lt1"/>
-            </a:fontRef>
-          </p:style>
-          <p:txBody>
-            <a:bodyPr rtlCol="0" anchor="ctr"/>
-            <a:lstStyle/>
-            <a:p>
-              <a:pPr algn="ctr"/>
-              <a:r>
-                <a:rPr lang="en-US" altLang="ko-KR" b="1" dirty="0">
-                  <a:solidFill>
-                    <a:schemeClr val="tx1"/>
-                  </a:solidFill>
-                  <a:latin typeface="Times New Roman" panose="02020603050405020304" pitchFamily="18" charset="0"/>
-                  <a:cs typeface="Times New Roman" panose="02020603050405020304" pitchFamily="18" charset="0"/>
-                </a:rPr>
-                <a:t>Global position receiving thread</a:t>
-              </a:r>
-              <a:endParaRPr lang="ko-KR" altLang="en-US" b="1" dirty="0">
-                <a:solidFill>
-                  <a:schemeClr val="tx1"/>
-                </a:solidFill>
-                <a:latin typeface="Times New Roman" panose="02020603050405020304" pitchFamily="18" charset="0"/>
-                <a:cs typeface="Times New Roman" panose="02020603050405020304" pitchFamily="18" charset="0"/>
-              </a:endParaRPr>
-            </a:p>
-          </p:txBody>
-        </p:sp>
-        <p:sp>
-          <p:nvSpPr>
-            <p:cNvPr id="58" name="모서리가 둥근 직사각형 57"/>
-            <p:cNvSpPr/>
-            <p:nvPr/>
-          </p:nvSpPr>
-          <p:spPr>
-            <a:xfrm>
-              <a:off x="8315676" y="4345190"/>
-              <a:ext cx="1440000" cy="1080000"/>
-            </a:xfrm>
-            <a:prstGeom prst="roundRect">
-              <a:avLst/>
-            </a:prstGeom>
-            <a:noFill/>
-            <a:ln>
-              <a:solidFill>
-                <a:schemeClr val="tx1"/>
-              </a:solidFill>
-            </a:ln>
-          </p:spPr>
-          <p:style>
-            <a:lnRef idx="2">
-              <a:schemeClr val="accent1">
-                <a:shade val="50000"/>
-              </a:schemeClr>
-            </a:lnRef>
-            <a:fillRef idx="1">
-              <a:schemeClr val="accent1"/>
-            </a:fillRef>
-            <a:effectRef idx="0">
-              <a:schemeClr val="accent1"/>
-            </a:effectRef>
-            <a:fontRef idx="minor">
-              <a:schemeClr val="lt1"/>
-            </a:fontRef>
-          </p:style>
-          <p:txBody>
-            <a:bodyPr rtlCol="0" anchor="ctr"/>
-            <a:lstStyle/>
-            <a:p>
-              <a:pPr algn="ctr"/>
-              <a:r>
-                <a:rPr lang="en-US" altLang="ko-KR" sz="2000" b="1" dirty="0">
-                  <a:solidFill>
-                    <a:schemeClr val="tx1"/>
-                  </a:solidFill>
-                  <a:latin typeface="Times New Roman" panose="02020603050405020304" pitchFamily="18" charset="0"/>
-                  <a:cs typeface="Times New Roman" panose="02020603050405020304" pitchFamily="18" charset="0"/>
-                </a:rPr>
-                <a:t>Concatenating</a:t>
-              </a:r>
-            </a:p>
-            <a:p>
-              <a:pPr algn="ctr"/>
-              <a:r>
-                <a:rPr lang="en-US" altLang="ko-KR" sz="2000" b="1" dirty="0">
-                  <a:solidFill>
-                    <a:schemeClr val="tx1"/>
-                  </a:solidFill>
-                  <a:latin typeface="Times New Roman" panose="02020603050405020304" pitchFamily="18" charset="0"/>
-                  <a:cs typeface="Times New Roman" panose="02020603050405020304" pitchFamily="18" charset="0"/>
-                </a:rPr>
-                <a:t>and</a:t>
-              </a:r>
-            </a:p>
-            <a:p>
-              <a:pPr algn="ctr"/>
-              <a:r>
-                <a:rPr lang="en-US" altLang="ko-KR" sz="2000" b="1" dirty="0">
-                  <a:solidFill>
-                    <a:schemeClr val="tx1"/>
-                  </a:solidFill>
-                  <a:latin typeface="Times New Roman" panose="02020603050405020304" pitchFamily="18" charset="0"/>
-                  <a:cs typeface="Times New Roman" panose="02020603050405020304" pitchFamily="18" charset="0"/>
-                </a:rPr>
-                <a:t>saving thread</a:t>
-              </a:r>
-              <a:endParaRPr lang="ko-KR" altLang="en-US" sz="2000" b="1" dirty="0">
-                <a:solidFill>
-                  <a:schemeClr val="tx1"/>
-                </a:solidFill>
-                <a:latin typeface="Times New Roman" panose="02020603050405020304" pitchFamily="18" charset="0"/>
-                <a:cs typeface="Times New Roman" panose="02020603050405020304" pitchFamily="18" charset="0"/>
-              </a:endParaRPr>
-            </a:p>
-          </p:txBody>
-        </p:sp>
-        <p:sp>
-          <p:nvSpPr>
-            <p:cNvPr id="62" name="모서리가 둥근 직사각형 61"/>
-            <p:cNvSpPr/>
-            <p:nvPr/>
-          </p:nvSpPr>
-          <p:spPr>
-            <a:xfrm>
-              <a:off x="6450488" y="3720495"/>
-              <a:ext cx="1368000" cy="720000"/>
-            </a:xfrm>
-            <a:prstGeom prst="roundRect">
-              <a:avLst/>
-            </a:prstGeom>
-            <a:noFill/>
-            <a:ln>
-              <a:solidFill>
-                <a:schemeClr val="tx1"/>
-              </a:solidFill>
-            </a:ln>
-          </p:spPr>
-          <p:style>
-            <a:lnRef idx="2">
-              <a:schemeClr val="accent1">
-                <a:shade val="50000"/>
-              </a:schemeClr>
-            </a:lnRef>
-            <a:fillRef idx="1">
-              <a:schemeClr val="accent1"/>
-            </a:fillRef>
-            <a:effectRef idx="0">
-              <a:schemeClr val="accent1"/>
-            </a:effectRef>
-            <a:fontRef idx="minor">
-              <a:schemeClr val="lt1"/>
-            </a:fontRef>
-          </p:style>
-          <p:txBody>
-            <a:bodyPr rtlCol="0" anchor="ctr"/>
-            <a:lstStyle/>
-            <a:p>
-              <a:pPr algn="ctr"/>
-              <a:r>
-                <a:rPr lang="en-US" altLang="ko-KR" b="1" dirty="0">
-                  <a:solidFill>
-                    <a:schemeClr val="tx1"/>
-                  </a:solidFill>
-                  <a:latin typeface="Times New Roman" panose="02020603050405020304" pitchFamily="18" charset="0"/>
-                  <a:cs typeface="Times New Roman" panose="02020603050405020304" pitchFamily="18" charset="0"/>
-                </a:rPr>
-                <a:t>UWB distance receiving thread</a:t>
-              </a:r>
-              <a:endParaRPr lang="ko-KR" altLang="en-US" b="1" dirty="0">
-                <a:solidFill>
-                  <a:schemeClr val="tx1"/>
-                </a:solidFill>
-                <a:latin typeface="Times New Roman" panose="02020603050405020304" pitchFamily="18" charset="0"/>
-                <a:cs typeface="Times New Roman" panose="02020603050405020304" pitchFamily="18" charset="0"/>
-              </a:endParaRPr>
-            </a:p>
-          </p:txBody>
-        </p:sp>
-        <p:cxnSp>
-          <p:nvCxnSpPr>
-            <p:cNvPr id="9" name="꺾인 연결선 8"/>
-            <p:cNvCxnSpPr>
-              <a:stCxn id="57" idx="3"/>
-              <a:endCxn id="58" idx="1"/>
-            </p:cNvCxnSpPr>
-            <p:nvPr/>
-          </p:nvCxnSpPr>
-          <p:spPr>
-            <a:xfrm flipV="1">
-              <a:off x="7818488" y="4885190"/>
-              <a:ext cx="497188" cy="772609"/>
-            </a:xfrm>
-            <a:prstGeom prst="bentConnector3">
-              <a:avLst>
-                <a:gd name="adj1" fmla="val 50000"/>
-              </a:avLst>
-            </a:prstGeom>
-            <a:ln>
-              <a:solidFill>
-                <a:schemeClr val="tx1"/>
-              </a:solidFill>
-              <a:tailEnd type="triangle"/>
-            </a:ln>
-          </p:spPr>
-          <p:style>
-            <a:lnRef idx="1">
-              <a:schemeClr val="accent1"/>
-            </a:lnRef>
-            <a:fillRef idx="0">
-              <a:schemeClr val="accent1"/>
-            </a:fillRef>
-            <a:effectRef idx="0">
-              <a:schemeClr val="accent1"/>
-            </a:effectRef>
-            <a:fontRef idx="minor">
-              <a:schemeClr val="tx1"/>
-            </a:fontRef>
-          </p:style>
-        </p:cxnSp>
-        <p:cxnSp>
-          <p:nvCxnSpPr>
-            <p:cNvPr id="11" name="꺾인 연결선 10"/>
-            <p:cNvCxnSpPr>
-              <a:stCxn id="62" idx="3"/>
-              <a:endCxn id="58" idx="1"/>
-            </p:cNvCxnSpPr>
-            <p:nvPr/>
-          </p:nvCxnSpPr>
-          <p:spPr>
-            <a:xfrm>
-              <a:off x="7818488" y="4080495"/>
-              <a:ext cx="497188" cy="804695"/>
-            </a:xfrm>
-            <a:prstGeom prst="bentConnector3">
-              <a:avLst>
-                <a:gd name="adj1" fmla="val 50000"/>
-              </a:avLst>
-            </a:prstGeom>
-            <a:ln>
-              <a:solidFill>
-                <a:schemeClr val="tx1"/>
-              </a:solidFill>
-              <a:tailEnd type="triangle"/>
-            </a:ln>
-          </p:spPr>
-          <p:style>
-            <a:lnRef idx="1">
-              <a:schemeClr val="accent1"/>
-            </a:lnRef>
-            <a:fillRef idx="0">
-              <a:schemeClr val="accent1"/>
-            </a:fillRef>
-            <a:effectRef idx="0">
-              <a:schemeClr val="accent1"/>
-            </a:effectRef>
-            <a:fontRef idx="minor">
-              <a:schemeClr val="tx1"/>
-            </a:fontRef>
-          </p:style>
-        </p:cxnSp>
-        <p:grpSp>
-          <p:nvGrpSpPr>
-            <p:cNvPr id="99" name="그룹 98"/>
-            <p:cNvGrpSpPr/>
-            <p:nvPr/>
-          </p:nvGrpSpPr>
-          <p:grpSpPr>
-            <a:xfrm>
-              <a:off x="5114613" y="3179761"/>
-              <a:ext cx="1132051" cy="1434495"/>
-              <a:chOff x="4213970" y="3179761"/>
-              <a:chExt cx="1132051" cy="1434495"/>
-            </a:xfrm>
-          </p:grpSpPr>
-          <p:pic>
-            <p:nvPicPr>
-              <p:cNvPr id="34" name="그림 33"/>
-              <p:cNvPicPr>
-                <a:picLocks/>
-              </p:cNvPicPr>
-              <p:nvPr/>
-            </p:nvPicPr>
-            <p:blipFill>
-              <a:blip r:embed="rId2" cstate="print">
-                <a:extLst>
-                  <a:ext uri="{28A0092B-C50C-407E-A947-70E740481C1C}">
-                    <a14:useLocalDpi xmlns:a14="http://schemas.microsoft.com/office/drawing/2010/main" val="0"/>
-                  </a:ext>
-                </a:extLst>
-              </a:blip>
-              <a:stretch>
-                <a:fillRect/>
-              </a:stretch>
-            </p:blipFill>
-            <p:spPr>
-              <a:xfrm>
-                <a:off x="4329996" y="3534256"/>
-                <a:ext cx="900000" cy="1080000"/>
-              </a:xfrm>
-              <a:prstGeom prst="rect">
-                <a:avLst/>
-              </a:prstGeom>
-              <a:ln>
-                <a:solidFill>
-                  <a:schemeClr val="tx1"/>
-                </a:solidFill>
-              </a:ln>
-            </p:spPr>
-          </p:pic>
-          <p:sp>
-            <p:nvSpPr>
-              <p:cNvPr id="36" name="타원 35"/>
-              <p:cNvSpPr/>
-              <p:nvPr/>
-            </p:nvSpPr>
-            <p:spPr>
-              <a:xfrm>
-                <a:off x="4559046" y="3533030"/>
-                <a:ext cx="424501" cy="284082"/>
-              </a:xfrm>
-              <a:prstGeom prst="ellipse">
-                <a:avLst/>
-              </a:prstGeom>
-              <a:noFill/>
-              <a:ln w="19050">
-                <a:solidFill>
-                  <a:srgbClr val="002060"/>
-                </a:solidFill>
-              </a:ln>
-            </p:spPr>
-            <p:style>
-              <a:lnRef idx="2">
-                <a:schemeClr val="accent1">
-                  <a:shade val="50000"/>
-                </a:schemeClr>
-              </a:lnRef>
-              <a:fillRef idx="1">
-                <a:schemeClr val="accent1"/>
-              </a:fillRef>
-              <a:effectRef idx="0">
-                <a:schemeClr val="accent1"/>
-              </a:effectRef>
-              <a:fontRef idx="minor">
-                <a:schemeClr val="lt1"/>
-              </a:fontRef>
-            </p:style>
-            <p:txBody>
-              <a:bodyPr rtlCol="0" anchor="ctr"/>
-              <a:lstStyle/>
-              <a:p>
-                <a:pPr algn="ctr"/>
-                <a:endParaRPr lang="ko-KR" altLang="en-US" sz="1351">
-                  <a:latin typeface="Times New Roman" panose="02020603050405020304" pitchFamily="18" charset="0"/>
-                  <a:cs typeface="Times New Roman" panose="02020603050405020304" pitchFamily="18" charset="0"/>
-                </a:endParaRPr>
-              </a:p>
-            </p:txBody>
-          </p:sp>
-          <p:cxnSp>
-            <p:nvCxnSpPr>
-              <p:cNvPr id="37" name="직선 화살표 연결선 36"/>
-              <p:cNvCxnSpPr>
-                <a:stCxn id="36" idx="0"/>
-                <a:endCxn id="38" idx="2"/>
-              </p:cNvCxnSpPr>
-              <p:nvPr/>
-            </p:nvCxnSpPr>
-            <p:spPr>
-              <a:xfrm flipV="1">
-                <a:off x="4771297" y="3404575"/>
-                <a:ext cx="8699" cy="128455"/>
-              </a:xfrm>
-              <a:prstGeom prst="straightConnector1">
-                <a:avLst/>
-              </a:prstGeom>
-              <a:ln>
-                <a:solidFill>
-                  <a:srgbClr val="002060"/>
-                </a:solidFill>
-                <a:tailEnd type="triangle"/>
-              </a:ln>
-            </p:spPr>
-            <p:style>
-              <a:lnRef idx="1">
-                <a:schemeClr val="accent1"/>
-              </a:lnRef>
-              <a:fillRef idx="0">
-                <a:schemeClr val="accent1"/>
-              </a:fillRef>
-              <a:effectRef idx="0">
-                <a:schemeClr val="accent1"/>
-              </a:effectRef>
-              <a:fontRef idx="minor">
-                <a:schemeClr val="tx1"/>
-              </a:fontRef>
-            </p:style>
-          </p:cxnSp>
-          <p:sp>
-            <p:nvSpPr>
-              <p:cNvPr id="38" name="TextBox 37"/>
-              <p:cNvSpPr txBox="1"/>
-              <p:nvPr/>
-            </p:nvSpPr>
-            <p:spPr>
-              <a:xfrm>
-                <a:off x="4213970" y="3179761"/>
-                <a:ext cx="1132051" cy="224814"/>
-              </a:xfrm>
-              <a:prstGeom prst="rect">
-                <a:avLst/>
-              </a:prstGeom>
-              <a:noFill/>
-            </p:spPr>
-            <p:txBody>
-              <a:bodyPr wrap="square" rtlCol="0">
-                <a:spAutoFit/>
-              </a:bodyPr>
-              <a:lstStyle/>
-              <a:p>
-                <a:pPr algn="ctr"/>
-                <a:r>
-                  <a:rPr lang="en-US" altLang="ko-KR" b="1" dirty="0">
-                    <a:solidFill>
-                      <a:srgbClr val="002060"/>
-                    </a:solidFill>
-                    <a:latin typeface="Times New Roman" panose="02020603050405020304" pitchFamily="18" charset="0"/>
-                    <a:ea typeface="배달의민족 주아" panose="02020603020101020101" pitchFamily="18" charset="-127"/>
-                    <a:cs typeface="Times New Roman" panose="02020603050405020304" pitchFamily="18" charset="0"/>
-                  </a:rPr>
-                  <a:t>UWB tag</a:t>
-                </a:r>
-                <a:endParaRPr lang="ko-KR" altLang="en-US" b="1" dirty="0">
-                  <a:solidFill>
-                    <a:srgbClr val="002060"/>
-                  </a:solidFill>
-                  <a:latin typeface="Times New Roman" panose="02020603050405020304" pitchFamily="18" charset="0"/>
-                  <a:ea typeface="배달의민족 주아" panose="02020603020101020101" pitchFamily="18" charset="-127"/>
-                  <a:cs typeface="Times New Roman" panose="02020603050405020304" pitchFamily="18" charset="0"/>
-                </a:endParaRPr>
-              </a:p>
-            </p:txBody>
-          </p:sp>
-        </p:grpSp>
         <p:pic>
           <p:nvPicPr>
-            <p:cNvPr id="54" name="그림 53"/>
+            <p:cNvPr id="34" name="그림 33"/>
             <p:cNvPicPr>
               <a:picLocks/>
             </p:cNvPicPr>
             <p:nvPr/>
           </p:nvPicPr>
           <p:blipFill>
-            <a:blip r:embed="rId3"/>
+            <a:blip r:embed="rId2" cstate="print">
+              <a:extLst>
+                <a:ext uri="{28A0092B-C50C-407E-A947-70E740481C1C}">
+                  <a14:useLocalDpi xmlns:a14="http://schemas.microsoft.com/office/drawing/2010/main" val="0"/>
+                </a:ext>
+              </a:extLst>
+            </a:blip>
             <a:stretch>
               <a:fillRect/>
             </a:stretch>
           </p:blipFill>
           <p:spPr>
             <a:xfrm>
-              <a:off x="4329996" y="5117799"/>
-              <a:ext cx="1800000" cy="1080000"/>
+              <a:off x="4329996" y="3534256"/>
+              <a:ext cx="900000" cy="1080000"/>
             </a:xfrm>
             <a:prstGeom prst="rect">
               <a:avLst/>
@@ -3488,57 +3316,14 @@
         </p:pic>
         <p:sp>
           <p:nvSpPr>
-            <p:cNvPr id="51" name="직사각형 50"/>
+            <p:cNvPr id="36" name="타원 35"/>
             <p:cNvSpPr/>
             <p:nvPr/>
           </p:nvSpPr>
           <p:spPr>
             <a:xfrm>
-              <a:off x="4320209" y="4754385"/>
-              <a:ext cx="1668894" cy="224814"/>
-            </a:xfrm>
-            <a:prstGeom prst="rect">
-              <a:avLst/>
-            </a:prstGeom>
-          </p:spPr>
-          <p:txBody>
-            <a:bodyPr wrap="none">
-              <a:spAutoFit/>
-            </a:bodyPr>
-            <a:lstStyle/>
-            <a:p>
-              <a:pPr algn="ctr"/>
-              <a:r>
-                <a:rPr lang="en-US" altLang="ko-KR" b="1" dirty="0">
-                  <a:solidFill>
-                    <a:srgbClr val="002060"/>
-                  </a:solidFill>
-                  <a:latin typeface="Times New Roman" panose="02020603050405020304" pitchFamily="18" charset="0"/>
-                  <a:ea typeface="배달의민족 주아"/>
-                  <a:cs typeface="Times New Roman" panose="02020603050405020304" pitchFamily="18" charset="0"/>
-                </a:rPr>
-                <a:t>Motion capture camera</a:t>
-              </a:r>
-              <a:endParaRPr lang="ko-KR" altLang="en-US" b="1" dirty="0">
-                <a:solidFill>
-                  <a:srgbClr val="002060"/>
-                </a:solidFill>
-                <a:latin typeface="Times New Roman" panose="02020603050405020304" pitchFamily="18" charset="0"/>
-                <a:cs typeface="Times New Roman" panose="02020603050405020304" pitchFamily="18" charset="0"/>
-              </a:endParaRPr>
-            </a:p>
-          </p:txBody>
-        </p:sp>
-        <p:sp>
-          <p:nvSpPr>
-            <p:cNvPr id="52" name="타원 51"/>
-            <p:cNvSpPr/>
-            <p:nvPr/>
-          </p:nvSpPr>
-          <p:spPr>
-            <a:xfrm>
-              <a:off x="5613025" y="5463259"/>
-              <a:ext cx="359059" cy="352846"/>
+              <a:off x="4559046" y="3533030"/>
+              <a:ext cx="424501" cy="284082"/>
             </a:xfrm>
             <a:prstGeom prst="ellipse">
               <a:avLst/>
@@ -3580,17 +3365,17 @@
         </p:sp>
         <p:cxnSp>
           <p:nvCxnSpPr>
-            <p:cNvPr id="53" name="직선 화살표 연결선 52"/>
+            <p:cNvPr id="37" name="직선 화살표 연결선 36"/>
             <p:cNvCxnSpPr>
-              <a:stCxn id="52" idx="0"/>
-              <a:endCxn id="51" idx="2"/>
+              <a:stCxn id="36" idx="0"/>
+              <a:endCxn id="38" idx="2"/>
             </p:cNvCxnSpPr>
             <p:nvPr/>
           </p:nvCxnSpPr>
           <p:spPr>
-            <a:xfrm flipH="1" flipV="1">
-              <a:off x="5154656" y="4979199"/>
-              <a:ext cx="637899" cy="484060"/>
+            <a:xfrm flipV="1">
+              <a:off x="4771296" y="3407312"/>
+              <a:ext cx="162481" cy="125718"/>
             </a:xfrm>
             <a:prstGeom prst="straightConnector1">
               <a:avLst/>
@@ -3617,26 +3402,491 @@
             </a:fontRef>
           </p:style>
         </p:cxnSp>
+        <p:sp>
+          <p:nvSpPr>
+            <p:cNvPr id="38" name="TextBox 37"/>
+            <p:cNvSpPr txBox="1"/>
+            <p:nvPr/>
+          </p:nvSpPr>
+          <p:spPr>
+            <a:xfrm>
+              <a:off x="4367752" y="3088825"/>
+              <a:ext cx="1132051" cy="318487"/>
+            </a:xfrm>
+            <a:prstGeom prst="rect">
+              <a:avLst/>
+            </a:prstGeom>
+            <a:noFill/>
+          </p:spPr>
+          <p:txBody>
+            <a:bodyPr wrap="square" rtlCol="0">
+              <a:spAutoFit/>
+            </a:bodyPr>
+            <a:lstStyle/>
+            <a:p>
+              <a:pPr algn="ctr"/>
+              <a:r>
+                <a:rPr lang="en-US" altLang="ko-KR" sz="2800" b="1" dirty="0">
+                  <a:solidFill>
+                    <a:srgbClr val="002060"/>
+                  </a:solidFill>
+                  <a:latin typeface="Times New Roman" panose="02020603050405020304" pitchFamily="18" charset="0"/>
+                  <a:ea typeface="배달의민족 주아" panose="02020603020101020101" pitchFamily="18" charset="-127"/>
+                  <a:cs typeface="Times New Roman" panose="02020603050405020304" pitchFamily="18" charset="0"/>
+                </a:rPr>
+                <a:t>UWB tag</a:t>
+              </a:r>
+              <a:endParaRPr lang="ko-KR" altLang="en-US" sz="2800" b="1" dirty="0">
+                <a:solidFill>
+                  <a:srgbClr val="002060"/>
+                </a:solidFill>
+                <a:latin typeface="Times New Roman" panose="02020603050405020304" pitchFamily="18" charset="0"/>
+                <a:ea typeface="배달의민족 주아" panose="02020603020101020101" pitchFamily="18" charset="-127"/>
+                <a:cs typeface="Times New Roman" panose="02020603050405020304" pitchFamily="18" charset="0"/>
+              </a:endParaRPr>
+            </a:p>
+          </p:txBody>
+        </p:sp>
+      </p:grpSp>
+      <p:pic>
+        <p:nvPicPr>
+          <p:cNvPr id="54" name="그림 53"/>
+          <p:cNvPicPr>
+            <a:picLocks/>
+          </p:cNvPicPr>
+          <p:nvPr/>
+        </p:nvPicPr>
+        <p:blipFill>
+          <a:blip r:embed="rId3"/>
+          <a:stretch>
+            <a:fillRect/>
+          </a:stretch>
+        </p:blipFill>
+        <p:spPr>
+          <a:xfrm>
+            <a:off x="543518" y="4361536"/>
+            <a:ext cx="2810030" cy="1774257"/>
+          </a:xfrm>
+          <a:prstGeom prst="rect">
+            <a:avLst/>
+          </a:prstGeom>
+          <a:ln>
+            <a:solidFill>
+              <a:schemeClr val="tx1"/>
+            </a:solidFill>
+          </a:ln>
+        </p:spPr>
+      </p:pic>
+      <p:sp>
+        <p:nvSpPr>
+          <p:cNvPr id="51" name="직사각형 50"/>
+          <p:cNvSpPr/>
+          <p:nvPr/>
+        </p:nvSpPr>
+        <p:spPr>
+          <a:xfrm>
+            <a:off x="-7366" y="3676186"/>
+            <a:ext cx="3786549" cy="523220"/>
+          </a:xfrm>
+          <a:prstGeom prst="rect">
+            <a:avLst/>
+          </a:prstGeom>
+        </p:spPr>
+        <p:txBody>
+          <a:bodyPr wrap="none">
+            <a:spAutoFit/>
+          </a:bodyPr>
+          <a:lstStyle/>
+          <a:p>
+            <a:pPr algn="ctr"/>
+            <a:r>
+              <a:rPr lang="en-US" altLang="ko-KR" sz="2800" b="1" dirty="0">
+                <a:solidFill>
+                  <a:srgbClr val="002060"/>
+                </a:solidFill>
+                <a:latin typeface="Times New Roman" panose="02020603050405020304" pitchFamily="18" charset="0"/>
+                <a:ea typeface="배달의민족 주아"/>
+                <a:cs typeface="Times New Roman" panose="02020603050405020304" pitchFamily="18" charset="0"/>
+              </a:rPr>
+              <a:t>Motion capture camera</a:t>
+            </a:r>
+            <a:endParaRPr lang="ko-KR" altLang="en-US" sz="2800" b="1" dirty="0">
+              <a:solidFill>
+                <a:srgbClr val="002060"/>
+              </a:solidFill>
+              <a:latin typeface="Times New Roman" panose="02020603050405020304" pitchFamily="18" charset="0"/>
+              <a:cs typeface="Times New Roman" panose="02020603050405020304" pitchFamily="18" charset="0"/>
+            </a:endParaRPr>
+          </a:p>
+        </p:txBody>
+      </p:sp>
+      <p:sp>
+        <p:nvSpPr>
+          <p:cNvPr id="52" name="타원 51"/>
+          <p:cNvSpPr/>
+          <p:nvPr/>
+        </p:nvSpPr>
+        <p:spPr>
+          <a:xfrm>
+            <a:off x="2308496" y="4929068"/>
+            <a:ext cx="560537" cy="579666"/>
+          </a:xfrm>
+          <a:prstGeom prst="ellipse">
+            <a:avLst/>
+          </a:prstGeom>
+          <a:noFill/>
+          <a:ln w="19050">
+            <a:solidFill>
+              <a:srgbClr val="002060"/>
+            </a:solidFill>
+          </a:ln>
+        </p:spPr>
+        <p:style>
+          <a:lnRef idx="2">
+            <a:schemeClr val="accent1">
+              <a:shade val="50000"/>
+            </a:schemeClr>
+          </a:lnRef>
+          <a:fillRef idx="1">
+            <a:schemeClr val="accent1"/>
+          </a:fillRef>
+          <a:effectRef idx="0">
+            <a:schemeClr val="accent1"/>
+          </a:effectRef>
+          <a:fontRef idx="minor">
+            <a:schemeClr val="lt1"/>
+          </a:fontRef>
+        </p:style>
+        <p:txBody>
+          <a:bodyPr rtlCol="0" anchor="ctr"/>
+          <a:lstStyle/>
+          <a:p>
+            <a:pPr algn="ctr"/>
+            <a:endParaRPr lang="ko-KR" altLang="en-US" sz="1351">
+              <a:latin typeface="Times New Roman" panose="02020603050405020304" pitchFamily="18" charset="0"/>
+              <a:cs typeface="Times New Roman" panose="02020603050405020304" pitchFamily="18" charset="0"/>
+            </a:endParaRPr>
+          </a:p>
+        </p:txBody>
+      </p:sp>
+      <p:cxnSp>
+        <p:nvCxnSpPr>
+          <p:cNvPr id="53" name="직선 화살표 연결선 52"/>
+          <p:cNvCxnSpPr>
+            <a:stCxn id="52" idx="0"/>
+            <a:endCxn id="51" idx="2"/>
+          </p:cNvCxnSpPr>
+          <p:nvPr/>
+        </p:nvCxnSpPr>
+        <p:spPr>
+          <a:xfrm flipH="1" flipV="1">
+            <a:off x="1885909" y="4199406"/>
+            <a:ext cx="702856" cy="729662"/>
+          </a:xfrm>
+          <a:prstGeom prst="straightConnector1">
+            <a:avLst/>
+          </a:prstGeom>
+          <a:ln>
+            <a:solidFill>
+              <a:srgbClr val="002060"/>
+            </a:solidFill>
+            <a:tailEnd type="triangle"/>
+          </a:ln>
+        </p:spPr>
+        <p:style>
+          <a:lnRef idx="1">
+            <a:schemeClr val="accent1"/>
+          </a:lnRef>
+          <a:fillRef idx="0">
+            <a:schemeClr val="accent1"/>
+          </a:fillRef>
+          <a:effectRef idx="0">
+            <a:schemeClr val="accent1"/>
+          </a:effectRef>
+          <a:fontRef idx="minor">
+            <a:schemeClr val="tx1"/>
+          </a:fontRef>
+        </p:style>
+      </p:cxnSp>
+      <p:cxnSp>
+        <p:nvCxnSpPr>
+          <p:cNvPr id="92" name="직선 화살표 연결선 91"/>
+          <p:cNvCxnSpPr>
+            <a:stCxn id="34" idx="3"/>
+            <a:endCxn id="62" idx="1"/>
+          </p:cNvCxnSpPr>
+          <p:nvPr/>
+        </p:nvCxnSpPr>
+        <p:spPr>
+          <a:xfrm>
+            <a:off x="3354552" y="2647173"/>
+            <a:ext cx="261329" cy="10249"/>
+          </a:xfrm>
+          <a:prstGeom prst="straightConnector1">
+            <a:avLst/>
+          </a:prstGeom>
+          <a:ln w="6350">
+            <a:solidFill>
+              <a:schemeClr val="tx1"/>
+            </a:solidFill>
+            <a:tailEnd type="triangle"/>
+          </a:ln>
+        </p:spPr>
+        <p:style>
+          <a:lnRef idx="1">
+            <a:schemeClr val="accent1"/>
+          </a:lnRef>
+          <a:fillRef idx="0">
+            <a:schemeClr val="accent1"/>
+          </a:fillRef>
+          <a:effectRef idx="0">
+            <a:schemeClr val="accent1"/>
+          </a:effectRef>
+          <a:fontRef idx="minor">
+            <a:schemeClr val="tx1"/>
+          </a:fontRef>
+        </p:style>
+      </p:cxnSp>
+      <p:cxnSp>
+        <p:nvCxnSpPr>
+          <p:cNvPr id="94" name="직선 화살표 연결선 93"/>
+          <p:cNvCxnSpPr>
+            <a:stCxn id="54" idx="3"/>
+            <a:endCxn id="57" idx="1"/>
+          </p:cNvCxnSpPr>
+          <p:nvPr/>
+        </p:nvCxnSpPr>
+        <p:spPr>
+          <a:xfrm>
+            <a:off x="3353548" y="5248665"/>
+            <a:ext cx="262333" cy="0"/>
+          </a:xfrm>
+          <a:prstGeom prst="straightConnector1">
+            <a:avLst/>
+          </a:prstGeom>
+          <a:ln w="6350">
+            <a:solidFill>
+              <a:schemeClr val="tx1"/>
+            </a:solidFill>
+            <a:tailEnd type="triangle"/>
+          </a:ln>
+        </p:spPr>
+        <p:style>
+          <a:lnRef idx="1">
+            <a:schemeClr val="accent1"/>
+          </a:lnRef>
+          <a:fillRef idx="0">
+            <a:schemeClr val="accent1"/>
+          </a:fillRef>
+          <a:effectRef idx="0">
+            <a:schemeClr val="accent1"/>
+          </a:effectRef>
+          <a:fontRef idx="minor">
+            <a:schemeClr val="tx1"/>
+          </a:fontRef>
+        </p:style>
+      </p:cxnSp>
+      <p:cxnSp>
+        <p:nvCxnSpPr>
+          <p:cNvPr id="98" name="직선 연결선 97"/>
+          <p:cNvCxnSpPr>
+            <a:stCxn id="110" idx="3"/>
+            <a:endCxn id="34" idx="1"/>
+          </p:cNvCxnSpPr>
+          <p:nvPr/>
+        </p:nvCxnSpPr>
+        <p:spPr>
+          <a:xfrm>
+            <a:off x="1655271" y="2647173"/>
+            <a:ext cx="294266" cy="0"/>
+          </a:xfrm>
+          <a:prstGeom prst="line">
+            <a:avLst/>
+          </a:prstGeom>
+          <a:ln>
+            <a:solidFill>
+              <a:schemeClr val="tx1"/>
+            </a:solidFill>
+          </a:ln>
+        </p:spPr>
+        <p:style>
+          <a:lnRef idx="1">
+            <a:schemeClr val="accent1"/>
+          </a:lnRef>
+          <a:fillRef idx="0">
+            <a:schemeClr val="accent1"/>
+          </a:fillRef>
+          <a:effectRef idx="0">
+            <a:schemeClr val="accent1"/>
+          </a:effectRef>
+          <a:fontRef idx="minor">
+            <a:schemeClr val="tx1"/>
+          </a:fontRef>
+        </p:style>
+      </p:cxnSp>
+      <p:grpSp>
+        <p:nvGrpSpPr>
+          <p:cNvPr id="109" name="그룹 108"/>
+          <p:cNvGrpSpPr/>
+          <p:nvPr/>
+        </p:nvGrpSpPr>
+        <p:grpSpPr>
+          <a:xfrm>
+            <a:off x="-151751" y="1040595"/>
+            <a:ext cx="2375589" cy="2493707"/>
+            <a:chOff x="4972486" y="3096323"/>
+            <a:chExt cx="1521713" cy="1517933"/>
+          </a:xfrm>
+        </p:grpSpPr>
+        <p:pic>
+          <p:nvPicPr>
+            <p:cNvPr id="110" name="그림 109"/>
+            <p:cNvPicPr>
+              <a:picLocks/>
+            </p:cNvPicPr>
+            <p:nvPr/>
+          </p:nvPicPr>
+          <p:blipFill>
+            <a:blip r:embed="rId4" cstate="print">
+              <a:extLst>
+                <a:ext uri="{28A0092B-C50C-407E-A947-70E740481C1C}">
+                  <a14:useLocalDpi xmlns:a14="http://schemas.microsoft.com/office/drawing/2010/main" val="0"/>
+                </a:ext>
+              </a:extLst>
+            </a:blip>
+            <a:stretch>
+              <a:fillRect/>
+            </a:stretch>
+          </p:blipFill>
+          <p:spPr>
+            <a:xfrm>
+              <a:off x="5409996" y="3534256"/>
+              <a:ext cx="720000" cy="1080000"/>
+            </a:xfrm>
+            <a:prstGeom prst="rect">
+              <a:avLst/>
+            </a:prstGeom>
+            <a:ln>
+              <a:solidFill>
+                <a:schemeClr val="tx1"/>
+              </a:solidFill>
+            </a:ln>
+          </p:spPr>
+        </p:pic>
+        <p:sp>
+          <p:nvSpPr>
+            <p:cNvPr id="111" name="타원 110"/>
+            <p:cNvSpPr/>
+            <p:nvPr/>
+          </p:nvSpPr>
+          <p:spPr>
+            <a:xfrm>
+              <a:off x="5567273" y="3633434"/>
+              <a:ext cx="403264" cy="274172"/>
+            </a:xfrm>
+            <a:prstGeom prst="ellipse">
+              <a:avLst/>
+            </a:prstGeom>
+            <a:noFill/>
+            <a:ln w="19050">
+              <a:solidFill>
+                <a:srgbClr val="002060"/>
+              </a:solidFill>
+            </a:ln>
+          </p:spPr>
+          <p:style>
+            <a:lnRef idx="2">
+              <a:schemeClr val="accent1">
+                <a:shade val="50000"/>
+              </a:schemeClr>
+            </a:lnRef>
+            <a:fillRef idx="1">
+              <a:schemeClr val="accent1"/>
+            </a:fillRef>
+            <a:effectRef idx="0">
+              <a:schemeClr val="accent1"/>
+            </a:effectRef>
+            <a:fontRef idx="minor">
+              <a:schemeClr val="lt1"/>
+            </a:fontRef>
+          </p:style>
+          <p:txBody>
+            <a:bodyPr rtlCol="0" anchor="ctr"/>
+            <a:lstStyle/>
+            <a:p>
+              <a:pPr algn="ctr"/>
+              <a:endParaRPr lang="ko-KR" altLang="en-US" sz="1351">
+                <a:latin typeface="Times New Roman" panose="02020603050405020304" pitchFamily="18" charset="0"/>
+                <a:cs typeface="Times New Roman" panose="02020603050405020304" pitchFamily="18" charset="0"/>
+              </a:endParaRPr>
+            </a:p>
+          </p:txBody>
+        </p:sp>
+        <p:sp>
+          <p:nvSpPr>
+            <p:cNvPr id="112" name="TextBox 111"/>
+            <p:cNvSpPr txBox="1"/>
+            <p:nvPr/>
+          </p:nvSpPr>
+          <p:spPr>
+            <a:xfrm>
+              <a:off x="4972486" y="3096323"/>
+              <a:ext cx="1521713" cy="318487"/>
+            </a:xfrm>
+            <a:prstGeom prst="rect">
+              <a:avLst/>
+            </a:prstGeom>
+            <a:noFill/>
+          </p:spPr>
+          <p:txBody>
+            <a:bodyPr wrap="square" rtlCol="0">
+              <a:spAutoFit/>
+            </a:bodyPr>
+            <a:lstStyle/>
+            <a:p>
+              <a:pPr algn="ctr"/>
+              <a:r>
+                <a:rPr lang="en-US" altLang="ko-KR" sz="2800" b="1" dirty="0">
+                  <a:solidFill>
+                    <a:srgbClr val="002060"/>
+                  </a:solidFill>
+                  <a:latin typeface="Times New Roman" panose="02020603050405020304" pitchFamily="18" charset="0"/>
+                  <a:ea typeface="배달의민족 주아" panose="02020603020101020101" pitchFamily="18" charset="-127"/>
+                  <a:cs typeface="Times New Roman" panose="02020603050405020304" pitchFamily="18" charset="0"/>
+                </a:rPr>
+                <a:t>UWB anchor</a:t>
+              </a:r>
+              <a:endParaRPr lang="ko-KR" altLang="en-US" sz="2800" b="1" dirty="0">
+                <a:solidFill>
+                  <a:srgbClr val="002060"/>
+                </a:solidFill>
+                <a:latin typeface="Times New Roman" panose="02020603050405020304" pitchFamily="18" charset="0"/>
+                <a:ea typeface="배달의민족 주아" panose="02020603020101020101" pitchFamily="18" charset="-127"/>
+                <a:cs typeface="Times New Roman" panose="02020603050405020304" pitchFamily="18" charset="0"/>
+              </a:endParaRPr>
+            </a:p>
+          </p:txBody>
+        </p:sp>
         <p:cxnSp>
           <p:nvCxnSpPr>
-            <p:cNvPr id="92" name="직선 화살표 연결선 91"/>
+            <p:cNvPr id="113" name="직선 화살표 연결선 112"/>
             <p:cNvCxnSpPr>
-              <a:stCxn id="34" idx="3"/>
-              <a:endCxn id="62" idx="1"/>
+              <a:stCxn id="111" idx="0"/>
+              <a:endCxn id="112" idx="2"/>
             </p:cNvCxnSpPr>
             <p:nvPr/>
           </p:nvCxnSpPr>
           <p:spPr>
-            <a:xfrm>
-              <a:off x="6130639" y="4074256"/>
-              <a:ext cx="319849" cy="6239"/>
+            <a:xfrm flipH="1" flipV="1">
+              <a:off x="5733343" y="3414810"/>
+              <a:ext cx="35563" cy="218624"/>
             </a:xfrm>
             <a:prstGeom prst="straightConnector1">
               <a:avLst/>
             </a:prstGeom>
-            <a:ln w="6350">
+            <a:ln>
               <a:solidFill>
-                <a:schemeClr val="tx1"/>
+                <a:srgbClr val="002060"/>
               </a:solidFill>
               <a:tailEnd type="triangle"/>
             </a:ln>
@@ -3656,266 +3906,6 @@
             </a:fontRef>
           </p:style>
         </p:cxnSp>
-        <p:cxnSp>
-          <p:nvCxnSpPr>
-            <p:cNvPr id="94" name="직선 화살표 연결선 93"/>
-            <p:cNvCxnSpPr>
-              <a:stCxn id="54" idx="3"/>
-              <a:endCxn id="57" idx="1"/>
-            </p:cNvCxnSpPr>
-            <p:nvPr/>
-          </p:nvCxnSpPr>
-          <p:spPr>
-            <a:xfrm>
-              <a:off x="6129996" y="5657799"/>
-              <a:ext cx="320492" cy="0"/>
-            </a:xfrm>
-            <a:prstGeom prst="straightConnector1">
-              <a:avLst/>
-            </a:prstGeom>
-            <a:ln w="6350">
-              <a:solidFill>
-                <a:schemeClr val="tx1"/>
-              </a:solidFill>
-              <a:tailEnd type="triangle"/>
-            </a:ln>
-          </p:spPr>
-          <p:style>
-            <a:lnRef idx="1">
-              <a:schemeClr val="accent1"/>
-            </a:lnRef>
-            <a:fillRef idx="0">
-              <a:schemeClr val="accent1"/>
-            </a:fillRef>
-            <a:effectRef idx="0">
-              <a:schemeClr val="accent1"/>
-            </a:effectRef>
-            <a:fontRef idx="minor">
-              <a:schemeClr val="tx1"/>
-            </a:fontRef>
-          </p:style>
-        </p:cxnSp>
-        <p:cxnSp>
-          <p:nvCxnSpPr>
-            <p:cNvPr id="98" name="직선 연결선 97"/>
-            <p:cNvCxnSpPr>
-              <a:stCxn id="110" idx="3"/>
-              <a:endCxn id="34" idx="1"/>
-            </p:cNvCxnSpPr>
-            <p:nvPr/>
-          </p:nvCxnSpPr>
-          <p:spPr>
-            <a:xfrm>
-              <a:off x="5042143" y="4074256"/>
-              <a:ext cx="188496" cy="0"/>
-            </a:xfrm>
-            <a:prstGeom prst="line">
-              <a:avLst/>
-            </a:prstGeom>
-            <a:ln>
-              <a:solidFill>
-                <a:schemeClr val="tx1"/>
-              </a:solidFill>
-            </a:ln>
-          </p:spPr>
-          <p:style>
-            <a:lnRef idx="1">
-              <a:schemeClr val="accent1"/>
-            </a:lnRef>
-            <a:fillRef idx="0">
-              <a:schemeClr val="accent1"/>
-            </a:fillRef>
-            <a:effectRef idx="0">
-              <a:schemeClr val="accent1"/>
-            </a:effectRef>
-            <a:fontRef idx="minor">
-              <a:schemeClr val="tx1"/>
-            </a:fontRef>
-          </p:style>
-        </p:cxnSp>
-        <p:grpSp>
-          <p:nvGrpSpPr>
-            <p:cNvPr id="109" name="그룹 108"/>
-            <p:cNvGrpSpPr/>
-            <p:nvPr/>
-          </p:nvGrpSpPr>
-          <p:grpSpPr>
-            <a:xfrm>
-              <a:off x="4134289" y="3179761"/>
-              <a:ext cx="1095707" cy="1434495"/>
-              <a:chOff x="5222142" y="3179761"/>
-              <a:chExt cx="1095707" cy="1434495"/>
-            </a:xfrm>
-          </p:grpSpPr>
-          <p:pic>
-            <p:nvPicPr>
-              <p:cNvPr id="110" name="그림 109"/>
-              <p:cNvPicPr>
-                <a:picLocks/>
-              </p:cNvPicPr>
-              <p:nvPr/>
-            </p:nvPicPr>
-            <p:blipFill>
-              <a:blip r:embed="rId4" cstate="print">
-                <a:extLst>
-                  <a:ext uri="{28A0092B-C50C-407E-A947-70E740481C1C}">
-                    <a14:useLocalDpi xmlns:a14="http://schemas.microsoft.com/office/drawing/2010/main" val="0"/>
-                  </a:ext>
-                </a:extLst>
-              </a:blip>
-              <a:stretch>
-                <a:fillRect/>
-              </a:stretch>
-            </p:blipFill>
-            <p:spPr>
-              <a:xfrm>
-                <a:off x="5409996" y="3534256"/>
-                <a:ext cx="720000" cy="1080000"/>
-              </a:xfrm>
-              <a:prstGeom prst="rect">
-                <a:avLst/>
-              </a:prstGeom>
-              <a:ln>
-                <a:solidFill>
-                  <a:schemeClr val="tx1"/>
-                </a:solidFill>
-              </a:ln>
-            </p:spPr>
-          </p:pic>
-          <p:sp>
-            <p:nvSpPr>
-              <p:cNvPr id="111" name="타원 110"/>
-              <p:cNvSpPr/>
-              <p:nvPr/>
-            </p:nvSpPr>
-            <p:spPr>
-              <a:xfrm>
-                <a:off x="5567273" y="3633434"/>
-                <a:ext cx="403264" cy="274172"/>
-              </a:xfrm>
-              <a:prstGeom prst="ellipse">
-                <a:avLst/>
-              </a:prstGeom>
-              <a:noFill/>
-              <a:ln w="19050">
-                <a:solidFill>
-                  <a:srgbClr val="002060"/>
-                </a:solidFill>
-              </a:ln>
-            </p:spPr>
-            <p:style>
-              <a:lnRef idx="2">
-                <a:schemeClr val="accent1">
-                  <a:shade val="50000"/>
-                </a:schemeClr>
-              </a:lnRef>
-              <a:fillRef idx="1">
-                <a:schemeClr val="accent1"/>
-              </a:fillRef>
-              <a:effectRef idx="0">
-                <a:schemeClr val="accent1"/>
-              </a:effectRef>
-              <a:fontRef idx="minor">
-                <a:schemeClr val="lt1"/>
-              </a:fontRef>
-            </p:style>
-            <p:txBody>
-              <a:bodyPr rtlCol="0" anchor="ctr"/>
-              <a:lstStyle/>
-              <a:p>
-                <a:pPr algn="ctr"/>
-                <a:endParaRPr lang="ko-KR" altLang="en-US" sz="1351">
-                  <a:latin typeface="Times New Roman" panose="02020603050405020304" pitchFamily="18" charset="0"/>
-                  <a:cs typeface="Times New Roman" panose="02020603050405020304" pitchFamily="18" charset="0"/>
-                </a:endParaRPr>
-              </a:p>
-            </p:txBody>
-          </p:sp>
-          <p:sp>
-            <p:nvSpPr>
-              <p:cNvPr id="112" name="TextBox 111"/>
-              <p:cNvSpPr txBox="1"/>
-              <p:nvPr/>
-            </p:nvSpPr>
-            <p:spPr>
-              <a:xfrm>
-                <a:off x="5222142" y="3179761"/>
-                <a:ext cx="1095707" cy="224814"/>
-              </a:xfrm>
-              <a:prstGeom prst="rect">
-                <a:avLst/>
-              </a:prstGeom>
-              <a:noFill/>
-            </p:spPr>
-            <p:txBody>
-              <a:bodyPr wrap="square" rtlCol="0">
-                <a:spAutoFit/>
-              </a:bodyPr>
-              <a:lstStyle/>
-              <a:p>
-                <a:pPr algn="ctr"/>
-                <a:r>
-                  <a:rPr lang="en-US" altLang="ko-KR" b="1" dirty="0">
-                    <a:solidFill>
-                      <a:srgbClr val="002060"/>
-                    </a:solidFill>
-                    <a:latin typeface="Times New Roman" panose="02020603050405020304" pitchFamily="18" charset="0"/>
-                    <a:ea typeface="배달의민족 주아" panose="02020603020101020101" pitchFamily="18" charset="-127"/>
-                    <a:cs typeface="Times New Roman" panose="02020603050405020304" pitchFamily="18" charset="0"/>
-                  </a:rPr>
-                  <a:t>UWB anchor</a:t>
-                </a:r>
-                <a:endParaRPr lang="ko-KR" altLang="en-US" b="1" dirty="0">
-                  <a:solidFill>
-                    <a:srgbClr val="002060"/>
-                  </a:solidFill>
-                  <a:latin typeface="Times New Roman" panose="02020603050405020304" pitchFamily="18" charset="0"/>
-                  <a:ea typeface="배달의민족 주아" panose="02020603020101020101" pitchFamily="18" charset="-127"/>
-                  <a:cs typeface="Times New Roman" panose="02020603050405020304" pitchFamily="18" charset="0"/>
-                </a:endParaRPr>
-              </a:p>
-            </p:txBody>
-          </p:sp>
-          <p:cxnSp>
-            <p:nvCxnSpPr>
-              <p:cNvPr id="113" name="직선 화살표 연결선 112"/>
-              <p:cNvCxnSpPr>
-                <a:stCxn id="111" idx="0"/>
-                <a:endCxn id="112" idx="2"/>
-              </p:cNvCxnSpPr>
-              <p:nvPr/>
-            </p:nvCxnSpPr>
-            <p:spPr>
-              <a:xfrm flipV="1">
-                <a:off x="5768905" y="3404575"/>
-                <a:ext cx="1090" cy="228859"/>
-              </a:xfrm>
-              <a:prstGeom prst="straightConnector1">
-                <a:avLst/>
-              </a:prstGeom>
-              <a:ln>
-                <a:solidFill>
-                  <a:srgbClr val="002060"/>
-                </a:solidFill>
-                <a:tailEnd type="triangle"/>
-              </a:ln>
-            </p:spPr>
-            <p:style>
-              <a:lnRef idx="1">
-                <a:schemeClr val="accent1"/>
-              </a:lnRef>
-              <a:fillRef idx="0">
-                <a:schemeClr val="accent1"/>
-              </a:fillRef>
-              <a:effectRef idx="0">
-                <a:schemeClr val="accent1"/>
-              </a:effectRef>
-              <a:fontRef idx="minor">
-                <a:schemeClr val="tx1"/>
-              </a:fontRef>
-            </p:style>
-          </p:cxnSp>
-        </p:grpSp>
       </p:grpSp>
     </p:spTree>
     <p:extLst>

--- a/changgyu_참고자료/dataprocess.pptx
+++ b/changgyu_참고자료/dataprocess.pptx
@@ -4,6 +4,9 @@
   <p:sldMasterIdLst>
     <p:sldMasterId id="2147483660" r:id="rId1"/>
   </p:sldMasterIdLst>
+  <p:notesMasterIdLst>
+    <p:notesMasterId r:id="rId3"/>
+  </p:notesMasterIdLst>
   <p:sldIdLst>
     <p:sldId id="256" r:id="rId2"/>
   </p:sldIdLst>
@@ -112,6 +115,440 @@
 </p:presentation>
 </file>
 
+<file path=ppt/notesMasters/notesMaster1.xml><?xml version="1.0" encoding="utf-8"?>
+<p:notesMaster xmlns:a="http://schemas.openxmlformats.org/drawingml/2006/main" xmlns:r="http://schemas.openxmlformats.org/officeDocument/2006/relationships" xmlns:p="http://schemas.openxmlformats.org/presentationml/2006/main">
+  <p:cSld>
+    <p:bg>
+      <p:bgRef idx="1001">
+        <a:schemeClr val="bg1"/>
+      </p:bgRef>
+    </p:bg>
+    <p:spTree>
+      <p:nvGrpSpPr>
+        <p:cNvPr id="1" name=""/>
+        <p:cNvGrpSpPr/>
+        <p:nvPr/>
+      </p:nvGrpSpPr>
+      <p:grpSpPr>
+        <a:xfrm>
+          <a:off x="0" y="0"/>
+          <a:ext cx="0" cy="0"/>
+          <a:chOff x="0" y="0"/>
+          <a:chExt cx="0" cy="0"/>
+        </a:xfrm>
+      </p:grpSpPr>
+      <p:sp>
+        <p:nvSpPr>
+          <p:cNvPr id="2" name="머리글 개체 틀 1"/>
+          <p:cNvSpPr>
+            <a:spLocks noGrp="1"/>
+          </p:cNvSpPr>
+          <p:nvPr>
+            <p:ph type="hdr" sz="quarter"/>
+          </p:nvPr>
+        </p:nvSpPr>
+        <p:spPr>
+          <a:xfrm>
+            <a:off x="0" y="0"/>
+            <a:ext cx="2971800" cy="458788"/>
+          </a:xfrm>
+          <a:prstGeom prst="rect">
+            <a:avLst/>
+          </a:prstGeom>
+        </p:spPr>
+        <p:txBody>
+          <a:bodyPr vert="horz" lIns="91440" tIns="45720" rIns="91440" bIns="45720" rtlCol="0"/>
+          <a:lstStyle>
+            <a:lvl1pPr algn="l">
+              <a:defRPr sz="1200"/>
+            </a:lvl1pPr>
+          </a:lstStyle>
+          <a:p>
+            <a:endParaRPr lang="ko-KR" altLang="en-US"/>
+          </a:p>
+        </p:txBody>
+      </p:sp>
+      <p:sp>
+        <p:nvSpPr>
+          <p:cNvPr id="3" name="날짜 개체 틀 2"/>
+          <p:cNvSpPr>
+            <a:spLocks noGrp="1"/>
+          </p:cNvSpPr>
+          <p:nvPr>
+            <p:ph type="dt" idx="1"/>
+          </p:nvPr>
+        </p:nvSpPr>
+        <p:spPr>
+          <a:xfrm>
+            <a:off x="3884613" y="0"/>
+            <a:ext cx="2971800" cy="458788"/>
+          </a:xfrm>
+          <a:prstGeom prst="rect">
+            <a:avLst/>
+          </a:prstGeom>
+        </p:spPr>
+        <p:txBody>
+          <a:bodyPr vert="horz" lIns="91440" tIns="45720" rIns="91440" bIns="45720" rtlCol="0"/>
+          <a:lstStyle>
+            <a:lvl1pPr algn="r">
+              <a:defRPr sz="1200"/>
+            </a:lvl1pPr>
+          </a:lstStyle>
+          <a:p>
+            <a:fld id="{FE1805B7-EC3E-4D61-8370-2171B591E0C1}" type="datetimeFigureOut">
+              <a:rPr lang="ko-KR" altLang="en-US" smtClean="0"/>
+              <a:t>2019-01-07</a:t>
+            </a:fld>
+            <a:endParaRPr lang="ko-KR" altLang="en-US"/>
+          </a:p>
+        </p:txBody>
+      </p:sp>
+      <p:sp>
+        <p:nvSpPr>
+          <p:cNvPr id="4" name="슬라이드 이미지 개체 틀 3"/>
+          <p:cNvSpPr>
+            <a:spLocks noGrp="1" noRot="1" noChangeAspect="1"/>
+          </p:cNvSpPr>
+          <p:nvPr>
+            <p:ph type="sldImg" idx="2"/>
+          </p:nvPr>
+        </p:nvSpPr>
+        <p:spPr>
+          <a:xfrm>
+            <a:off x="1371600" y="1143000"/>
+            <a:ext cx="4114800" cy="3086100"/>
+          </a:xfrm>
+          <a:prstGeom prst="rect">
+            <a:avLst/>
+          </a:prstGeom>
+          <a:noFill/>
+          <a:ln w="12700">
+            <a:solidFill>
+              <a:prstClr val="black"/>
+            </a:solidFill>
+          </a:ln>
+        </p:spPr>
+        <p:txBody>
+          <a:bodyPr vert="horz" lIns="91440" tIns="45720" rIns="91440" bIns="45720" rtlCol="0" anchor="ctr"/>
+          <a:lstStyle/>
+          <a:p>
+            <a:endParaRPr lang="ko-KR" altLang="en-US"/>
+          </a:p>
+        </p:txBody>
+      </p:sp>
+      <p:sp>
+        <p:nvSpPr>
+          <p:cNvPr id="5" name="슬라이드 노트 개체 틀 4"/>
+          <p:cNvSpPr>
+            <a:spLocks noGrp="1"/>
+          </p:cNvSpPr>
+          <p:nvPr>
+            <p:ph type="body" sz="quarter" idx="3"/>
+          </p:nvPr>
+        </p:nvSpPr>
+        <p:spPr>
+          <a:xfrm>
+            <a:off x="685800" y="4400550"/>
+            <a:ext cx="5486400" cy="3600450"/>
+          </a:xfrm>
+          <a:prstGeom prst="rect">
+            <a:avLst/>
+          </a:prstGeom>
+        </p:spPr>
+        <p:txBody>
+          <a:bodyPr vert="horz" lIns="91440" tIns="45720" rIns="91440" bIns="45720" rtlCol="0"/>
+          <a:lstStyle/>
+          <a:p>
+            <a:pPr lvl="0"/>
+            <a:r>
+              <a:rPr lang="ko-KR" altLang="en-US" smtClean="0"/>
+              <a:t>마스터 텍스트 스타일 편집</a:t>
+            </a:r>
+          </a:p>
+          <a:p>
+            <a:pPr lvl="1"/>
+            <a:r>
+              <a:rPr lang="ko-KR" altLang="en-US" smtClean="0"/>
+              <a:t>둘째 수준</a:t>
+            </a:r>
+          </a:p>
+          <a:p>
+            <a:pPr lvl="2"/>
+            <a:r>
+              <a:rPr lang="ko-KR" altLang="en-US" smtClean="0"/>
+              <a:t>셋째 수준</a:t>
+            </a:r>
+          </a:p>
+          <a:p>
+            <a:pPr lvl="3"/>
+            <a:r>
+              <a:rPr lang="ko-KR" altLang="en-US" smtClean="0"/>
+              <a:t>넷째 수준</a:t>
+            </a:r>
+          </a:p>
+          <a:p>
+            <a:pPr lvl="4"/>
+            <a:r>
+              <a:rPr lang="ko-KR" altLang="en-US" smtClean="0"/>
+              <a:t>다섯째 수준</a:t>
+            </a:r>
+            <a:endParaRPr lang="ko-KR" altLang="en-US"/>
+          </a:p>
+        </p:txBody>
+      </p:sp>
+      <p:sp>
+        <p:nvSpPr>
+          <p:cNvPr id="6" name="바닥글 개체 틀 5"/>
+          <p:cNvSpPr>
+            <a:spLocks noGrp="1"/>
+          </p:cNvSpPr>
+          <p:nvPr>
+            <p:ph type="ftr" sz="quarter" idx="4"/>
+          </p:nvPr>
+        </p:nvSpPr>
+        <p:spPr>
+          <a:xfrm>
+            <a:off x="0" y="8685213"/>
+            <a:ext cx="2971800" cy="458787"/>
+          </a:xfrm>
+          <a:prstGeom prst="rect">
+            <a:avLst/>
+          </a:prstGeom>
+        </p:spPr>
+        <p:txBody>
+          <a:bodyPr vert="horz" lIns="91440" tIns="45720" rIns="91440" bIns="45720" rtlCol="0" anchor="b"/>
+          <a:lstStyle>
+            <a:lvl1pPr algn="l">
+              <a:defRPr sz="1200"/>
+            </a:lvl1pPr>
+          </a:lstStyle>
+          <a:p>
+            <a:endParaRPr lang="ko-KR" altLang="en-US"/>
+          </a:p>
+        </p:txBody>
+      </p:sp>
+      <p:sp>
+        <p:nvSpPr>
+          <p:cNvPr id="7" name="슬라이드 번호 개체 틀 6"/>
+          <p:cNvSpPr>
+            <a:spLocks noGrp="1"/>
+          </p:cNvSpPr>
+          <p:nvPr>
+            <p:ph type="sldNum" sz="quarter" idx="5"/>
+          </p:nvPr>
+        </p:nvSpPr>
+        <p:spPr>
+          <a:xfrm>
+            <a:off x="3884613" y="8685213"/>
+            <a:ext cx="2971800" cy="458787"/>
+          </a:xfrm>
+          <a:prstGeom prst="rect">
+            <a:avLst/>
+          </a:prstGeom>
+        </p:spPr>
+        <p:txBody>
+          <a:bodyPr vert="horz" lIns="91440" tIns="45720" rIns="91440" bIns="45720" rtlCol="0" anchor="b"/>
+          <a:lstStyle>
+            <a:lvl1pPr algn="r">
+              <a:defRPr sz="1200"/>
+            </a:lvl1pPr>
+          </a:lstStyle>
+          <a:p>
+            <a:fld id="{F43C0F6C-0D3B-4CBA-BABE-ACA14186F855}" type="slidenum">
+              <a:rPr lang="ko-KR" altLang="en-US" smtClean="0"/>
+              <a:t>‹#›</a:t>
+            </a:fld>
+            <a:endParaRPr lang="ko-KR" altLang="en-US"/>
+          </a:p>
+        </p:txBody>
+      </p:sp>
+    </p:spTree>
+    <p:extLst>
+      <p:ext uri="{BB962C8B-B14F-4D97-AF65-F5344CB8AC3E}">
+        <p14:creationId xmlns:p14="http://schemas.microsoft.com/office/powerpoint/2010/main" val="2980616170"/>
+      </p:ext>
+    </p:extLst>
+  </p:cSld>
+  <p:clrMap bg1="lt1" tx1="dk1" bg2="lt2" tx2="dk2" accent1="accent1" accent2="accent2" accent3="accent3" accent4="accent4" accent5="accent5" accent6="accent6" hlink="hlink" folHlink="folHlink"/>
+  <p:notesStyle>
+    <a:lvl1pPr marL="0" algn="l" defTabSz="914400" rtl="0" eaLnBrk="1" latinLnBrk="1" hangingPunct="1">
+      <a:defRPr sz="1200" kern="1200">
+        <a:solidFill>
+          <a:schemeClr val="tx1"/>
+        </a:solidFill>
+        <a:latin typeface="+mn-lt"/>
+        <a:ea typeface="+mn-ea"/>
+        <a:cs typeface="+mn-cs"/>
+      </a:defRPr>
+    </a:lvl1pPr>
+    <a:lvl2pPr marL="457200" algn="l" defTabSz="914400" rtl="0" eaLnBrk="1" latinLnBrk="1" hangingPunct="1">
+      <a:defRPr sz="1200" kern="1200">
+        <a:solidFill>
+          <a:schemeClr val="tx1"/>
+        </a:solidFill>
+        <a:latin typeface="+mn-lt"/>
+        <a:ea typeface="+mn-ea"/>
+        <a:cs typeface="+mn-cs"/>
+      </a:defRPr>
+    </a:lvl2pPr>
+    <a:lvl3pPr marL="914400" algn="l" defTabSz="914400" rtl="0" eaLnBrk="1" latinLnBrk="1" hangingPunct="1">
+      <a:defRPr sz="1200" kern="1200">
+        <a:solidFill>
+          <a:schemeClr val="tx1"/>
+        </a:solidFill>
+        <a:latin typeface="+mn-lt"/>
+        <a:ea typeface="+mn-ea"/>
+        <a:cs typeface="+mn-cs"/>
+      </a:defRPr>
+    </a:lvl3pPr>
+    <a:lvl4pPr marL="1371600" algn="l" defTabSz="914400" rtl="0" eaLnBrk="1" latinLnBrk="1" hangingPunct="1">
+      <a:defRPr sz="1200" kern="1200">
+        <a:solidFill>
+          <a:schemeClr val="tx1"/>
+        </a:solidFill>
+        <a:latin typeface="+mn-lt"/>
+        <a:ea typeface="+mn-ea"/>
+        <a:cs typeface="+mn-cs"/>
+      </a:defRPr>
+    </a:lvl4pPr>
+    <a:lvl5pPr marL="1828800" algn="l" defTabSz="914400" rtl="0" eaLnBrk="1" latinLnBrk="1" hangingPunct="1">
+      <a:defRPr sz="1200" kern="1200">
+        <a:solidFill>
+          <a:schemeClr val="tx1"/>
+        </a:solidFill>
+        <a:latin typeface="+mn-lt"/>
+        <a:ea typeface="+mn-ea"/>
+        <a:cs typeface="+mn-cs"/>
+      </a:defRPr>
+    </a:lvl5pPr>
+    <a:lvl6pPr marL="2286000" algn="l" defTabSz="914400" rtl="0" eaLnBrk="1" latinLnBrk="1" hangingPunct="1">
+      <a:defRPr sz="1200" kern="1200">
+        <a:solidFill>
+          <a:schemeClr val="tx1"/>
+        </a:solidFill>
+        <a:latin typeface="+mn-lt"/>
+        <a:ea typeface="+mn-ea"/>
+        <a:cs typeface="+mn-cs"/>
+      </a:defRPr>
+    </a:lvl6pPr>
+    <a:lvl7pPr marL="2743200" algn="l" defTabSz="914400" rtl="0" eaLnBrk="1" latinLnBrk="1" hangingPunct="1">
+      <a:defRPr sz="1200" kern="1200">
+        <a:solidFill>
+          <a:schemeClr val="tx1"/>
+        </a:solidFill>
+        <a:latin typeface="+mn-lt"/>
+        <a:ea typeface="+mn-ea"/>
+        <a:cs typeface="+mn-cs"/>
+      </a:defRPr>
+    </a:lvl7pPr>
+    <a:lvl8pPr marL="3200400" algn="l" defTabSz="914400" rtl="0" eaLnBrk="1" latinLnBrk="1" hangingPunct="1">
+      <a:defRPr sz="1200" kern="1200">
+        <a:solidFill>
+          <a:schemeClr val="tx1"/>
+        </a:solidFill>
+        <a:latin typeface="+mn-lt"/>
+        <a:ea typeface="+mn-ea"/>
+        <a:cs typeface="+mn-cs"/>
+      </a:defRPr>
+    </a:lvl8pPr>
+    <a:lvl9pPr marL="3657600" algn="l" defTabSz="914400" rtl="0" eaLnBrk="1" latinLnBrk="1" hangingPunct="1">
+      <a:defRPr sz="1200" kern="1200">
+        <a:solidFill>
+          <a:schemeClr val="tx1"/>
+        </a:solidFill>
+        <a:latin typeface="+mn-lt"/>
+        <a:ea typeface="+mn-ea"/>
+        <a:cs typeface="+mn-cs"/>
+      </a:defRPr>
+    </a:lvl9pPr>
+  </p:notesStyle>
+</p:notesMaster>
+</file>
+
+<file path=ppt/notesSlides/notesSlide1.xml><?xml version="1.0" encoding="utf-8"?>
+<p:notes xmlns:a="http://schemas.openxmlformats.org/drawingml/2006/main" xmlns:r="http://schemas.openxmlformats.org/officeDocument/2006/relationships" xmlns:p="http://schemas.openxmlformats.org/presentationml/2006/main">
+  <p:cSld>
+    <p:spTree>
+      <p:nvGrpSpPr>
+        <p:cNvPr id="1" name=""/>
+        <p:cNvGrpSpPr/>
+        <p:nvPr/>
+      </p:nvGrpSpPr>
+      <p:grpSpPr>
+        <a:xfrm>
+          <a:off x="0" y="0"/>
+          <a:ext cx="0" cy="0"/>
+          <a:chOff x="0" y="0"/>
+          <a:chExt cx="0" cy="0"/>
+        </a:xfrm>
+      </p:grpSpPr>
+      <p:sp>
+        <p:nvSpPr>
+          <p:cNvPr id="2" name="슬라이드 이미지 개체 틀 1"/>
+          <p:cNvSpPr>
+            <a:spLocks noGrp="1" noRot="1" noChangeAspect="1"/>
+          </p:cNvSpPr>
+          <p:nvPr>
+            <p:ph type="sldImg"/>
+          </p:nvPr>
+        </p:nvSpPr>
+        <p:spPr/>
+      </p:sp>
+      <p:sp>
+        <p:nvSpPr>
+          <p:cNvPr id="3" name="슬라이드 노트 개체 틀 2"/>
+          <p:cNvSpPr>
+            <a:spLocks noGrp="1"/>
+          </p:cNvSpPr>
+          <p:nvPr>
+            <p:ph type="body" idx="1"/>
+          </p:nvPr>
+        </p:nvSpPr>
+        <p:spPr/>
+        <p:txBody>
+          <a:bodyPr/>
+          <a:lstStyle/>
+          <a:p>
+            <a:endParaRPr lang="ko-KR" altLang="en-US"/>
+          </a:p>
+        </p:txBody>
+      </p:sp>
+      <p:sp>
+        <p:nvSpPr>
+          <p:cNvPr id="4" name="슬라이드 번호 개체 틀 3"/>
+          <p:cNvSpPr>
+            <a:spLocks noGrp="1"/>
+          </p:cNvSpPr>
+          <p:nvPr>
+            <p:ph type="sldNum" sz="quarter" idx="10"/>
+          </p:nvPr>
+        </p:nvSpPr>
+        <p:spPr/>
+        <p:txBody>
+          <a:bodyPr/>
+          <a:lstStyle/>
+          <a:p>
+            <a:fld id="{F43C0F6C-0D3B-4CBA-BABE-ACA14186F855}" type="slidenum">
+              <a:rPr lang="ko-KR" altLang="en-US" smtClean="0"/>
+              <a:t>1</a:t>
+            </a:fld>
+            <a:endParaRPr lang="ko-KR" altLang="en-US"/>
+          </a:p>
+        </p:txBody>
+      </p:sp>
+    </p:spTree>
+    <p:extLst>
+      <p:ext uri="{BB962C8B-B14F-4D97-AF65-F5344CB8AC3E}">
+        <p14:creationId xmlns:p14="http://schemas.microsoft.com/office/powerpoint/2010/main" val="3565616398"/>
+      </p:ext>
+    </p:extLst>
+  </p:cSld>
+  <p:clrMapOvr>
+    <a:masterClrMapping/>
+  </p:clrMapOvr>
+</p:notes>
+</file>
+
 <file path=ppt/slideLayouts/slideLayout1.xml><?xml version="1.0" encoding="utf-8"?>
 <p:sldLayout xmlns:a="http://schemas.openxmlformats.org/drawingml/2006/main" xmlns:r="http://schemas.openxmlformats.org/officeDocument/2006/relationships" xmlns:p="http://schemas.openxmlformats.org/presentationml/2006/main" type="title" preserve="1">
   <p:cSld name="제목 슬라이드">
@@ -243,7 +680,7 @@
           <a:p>
             <a:fld id="{94530561-EC2C-41A6-A262-1FDC349A748A}" type="datetimeFigureOut">
               <a:rPr lang="ko-KR" altLang="en-US" smtClean="0"/>
-              <a:t>2019-01-06</a:t>
+              <a:t>2019-01-07</a:t>
             </a:fld>
             <a:endParaRPr lang="ko-KR" altLang="en-US"/>
           </a:p>
@@ -413,7 +850,7 @@
           <a:p>
             <a:fld id="{94530561-EC2C-41A6-A262-1FDC349A748A}" type="datetimeFigureOut">
               <a:rPr lang="ko-KR" altLang="en-US" smtClean="0"/>
-              <a:t>2019-01-06</a:t>
+              <a:t>2019-01-07</a:t>
             </a:fld>
             <a:endParaRPr lang="ko-KR" altLang="en-US"/>
           </a:p>
@@ -593,7 +1030,7 @@
           <a:p>
             <a:fld id="{94530561-EC2C-41A6-A262-1FDC349A748A}" type="datetimeFigureOut">
               <a:rPr lang="ko-KR" altLang="en-US" smtClean="0"/>
-              <a:t>2019-01-06</a:t>
+              <a:t>2019-01-07</a:t>
             </a:fld>
             <a:endParaRPr lang="ko-KR" altLang="en-US"/>
           </a:p>
@@ -763,7 +1200,7 @@
           <a:p>
             <a:fld id="{94530561-EC2C-41A6-A262-1FDC349A748A}" type="datetimeFigureOut">
               <a:rPr lang="ko-KR" altLang="en-US" smtClean="0"/>
-              <a:t>2019-01-06</a:t>
+              <a:t>2019-01-07</a:t>
             </a:fld>
             <a:endParaRPr lang="ko-KR" altLang="en-US"/>
           </a:p>
@@ -1007,7 +1444,7 @@
           <a:p>
             <a:fld id="{94530561-EC2C-41A6-A262-1FDC349A748A}" type="datetimeFigureOut">
               <a:rPr lang="ko-KR" altLang="en-US" smtClean="0"/>
-              <a:t>2019-01-06</a:t>
+              <a:t>2019-01-07</a:t>
             </a:fld>
             <a:endParaRPr lang="ko-KR" altLang="en-US"/>
           </a:p>
@@ -1239,7 +1676,7 @@
           <a:p>
             <a:fld id="{94530561-EC2C-41A6-A262-1FDC349A748A}" type="datetimeFigureOut">
               <a:rPr lang="ko-KR" altLang="en-US" smtClean="0"/>
-              <a:t>2019-01-06</a:t>
+              <a:t>2019-01-07</a:t>
             </a:fld>
             <a:endParaRPr lang="ko-KR" altLang="en-US"/>
           </a:p>
@@ -1606,7 +2043,7 @@
           <a:p>
             <a:fld id="{94530561-EC2C-41A6-A262-1FDC349A748A}" type="datetimeFigureOut">
               <a:rPr lang="ko-KR" altLang="en-US" smtClean="0"/>
-              <a:t>2019-01-06</a:t>
+              <a:t>2019-01-07</a:t>
             </a:fld>
             <a:endParaRPr lang="ko-KR" altLang="en-US"/>
           </a:p>
@@ -1724,7 +2161,7 @@
           <a:p>
             <a:fld id="{94530561-EC2C-41A6-A262-1FDC349A748A}" type="datetimeFigureOut">
               <a:rPr lang="ko-KR" altLang="en-US" smtClean="0"/>
-              <a:t>2019-01-06</a:t>
+              <a:t>2019-01-07</a:t>
             </a:fld>
             <a:endParaRPr lang="ko-KR" altLang="en-US"/>
           </a:p>
@@ -1819,7 +2256,7 @@
           <a:p>
             <a:fld id="{94530561-EC2C-41A6-A262-1FDC349A748A}" type="datetimeFigureOut">
               <a:rPr lang="ko-KR" altLang="en-US" smtClean="0"/>
-              <a:t>2019-01-06</a:t>
+              <a:t>2019-01-07</a:t>
             </a:fld>
             <a:endParaRPr lang="ko-KR" altLang="en-US"/>
           </a:p>
@@ -2096,7 +2533,7 @@
           <a:p>
             <a:fld id="{94530561-EC2C-41A6-A262-1FDC349A748A}" type="datetimeFigureOut">
               <a:rPr lang="ko-KR" altLang="en-US" smtClean="0"/>
-              <a:t>2019-01-06</a:t>
+              <a:t>2019-01-07</a:t>
             </a:fld>
             <a:endParaRPr lang="ko-KR" altLang="en-US"/>
           </a:p>
@@ -2353,7 +2790,7 @@
           <a:p>
             <a:fld id="{94530561-EC2C-41A6-A262-1FDC349A748A}" type="datetimeFigureOut">
               <a:rPr lang="ko-KR" altLang="en-US" smtClean="0"/>
-              <a:t>2019-01-06</a:t>
+              <a:t>2019-01-07</a:t>
             </a:fld>
             <a:endParaRPr lang="ko-KR" altLang="en-US"/>
           </a:p>
@@ -2566,7 +3003,7 @@
           <a:p>
             <a:fld id="{94530561-EC2C-41A6-A262-1FDC349A748A}" type="datetimeFigureOut">
               <a:rPr lang="ko-KR" altLang="en-US" smtClean="0"/>
-              <a:t>2019-01-06</a:t>
+              <a:t>2019-01-07</a:t>
             </a:fld>
             <a:endParaRPr lang="ko-KR" altLang="en-US"/>
           </a:p>
@@ -2986,7 +3423,7 @@
             <a:avLst/>
           </a:prstGeom>
           <a:noFill/>
-          <a:ln>
+          <a:ln w="19050">
             <a:solidFill>
               <a:schemeClr val="tx1"/>
             </a:solidFill>
@@ -3048,7 +3485,7 @@
             <a:avLst/>
           </a:prstGeom>
           <a:noFill/>
-          <a:ln>
+          <a:ln w="19050">
             <a:solidFill>
               <a:schemeClr val="tx1"/>
             </a:solidFill>
@@ -3136,7 +3573,7 @@
             <a:avLst/>
           </a:prstGeom>
           <a:noFill/>
-          <a:ln>
+          <a:ln w="19050">
             <a:solidFill>
               <a:schemeClr val="tx1"/>
             </a:solidFill>
@@ -3202,7 +3639,7 @@
               <a:gd name="adj1" fmla="val 50000"/>
             </a:avLst>
           </a:prstGeom>
-          <a:ln>
+          <a:ln w="19050">
             <a:solidFill>
               <a:schemeClr val="tx1"/>
             </a:solidFill>
@@ -3243,7 +3680,7 @@
               <a:gd name="adj1" fmla="val 50000"/>
             </a:avLst>
           </a:prstGeom>
-          <a:ln>
+          <a:ln w="19050">
             <a:solidFill>
               <a:schemeClr val="tx1"/>
             </a:solidFill>
@@ -3265,207 +3702,30 @@
           </a:fontRef>
         </p:style>
       </p:cxnSp>
-      <p:grpSp>
-        <p:nvGrpSpPr>
-          <p:cNvPr id="99" name="그룹 98"/>
-          <p:cNvGrpSpPr/>
-          <p:nvPr/>
-        </p:nvGrpSpPr>
-        <p:grpSpPr>
-          <a:xfrm>
-            <a:off x="1949537" y="1028277"/>
-            <a:ext cx="1826218" cy="2506025"/>
-            <a:chOff x="4329996" y="3088825"/>
-            <a:chExt cx="1169807" cy="1525431"/>
-          </a:xfrm>
-        </p:grpSpPr>
-        <p:pic>
-          <p:nvPicPr>
-            <p:cNvPr id="34" name="그림 33"/>
-            <p:cNvPicPr>
-              <a:picLocks/>
-            </p:cNvPicPr>
-            <p:nvPr/>
-          </p:nvPicPr>
-          <p:blipFill>
-            <a:blip r:embed="rId2" cstate="print">
-              <a:extLst>
-                <a:ext uri="{28A0092B-C50C-407E-A947-70E740481C1C}">
-                  <a14:useLocalDpi xmlns:a14="http://schemas.microsoft.com/office/drawing/2010/main" val="0"/>
-                </a:ext>
-              </a:extLst>
-            </a:blip>
-            <a:stretch>
-              <a:fillRect/>
-            </a:stretch>
-          </p:blipFill>
-          <p:spPr>
-            <a:xfrm>
-              <a:off x="4329996" y="3534256"/>
-              <a:ext cx="900000" cy="1080000"/>
-            </a:xfrm>
-            <a:prstGeom prst="rect">
-              <a:avLst/>
-            </a:prstGeom>
-            <a:ln>
-              <a:solidFill>
-                <a:schemeClr val="tx1"/>
-              </a:solidFill>
-            </a:ln>
-          </p:spPr>
-        </p:pic>
-        <p:sp>
-          <p:nvSpPr>
-            <p:cNvPr id="36" name="타원 35"/>
-            <p:cNvSpPr/>
-            <p:nvPr/>
-          </p:nvSpPr>
-          <p:spPr>
-            <a:xfrm>
-              <a:off x="4559046" y="3533030"/>
-              <a:ext cx="424501" cy="284082"/>
-            </a:xfrm>
-            <a:prstGeom prst="ellipse">
-              <a:avLst/>
-            </a:prstGeom>
-            <a:noFill/>
-            <a:ln w="19050">
-              <a:solidFill>
-                <a:srgbClr val="002060"/>
-              </a:solidFill>
-            </a:ln>
-          </p:spPr>
-          <p:style>
-            <a:lnRef idx="2">
-              <a:schemeClr val="accent1">
-                <a:shade val="50000"/>
-              </a:schemeClr>
-            </a:lnRef>
-            <a:fillRef idx="1">
-              <a:schemeClr val="accent1"/>
-            </a:fillRef>
-            <a:effectRef idx="0">
-              <a:schemeClr val="accent1"/>
-            </a:effectRef>
-            <a:fontRef idx="minor">
-              <a:schemeClr val="lt1"/>
-            </a:fontRef>
-          </p:style>
-          <p:txBody>
-            <a:bodyPr rtlCol="0" anchor="ctr"/>
-            <a:lstStyle/>
-            <a:p>
-              <a:pPr algn="ctr"/>
-              <a:endParaRPr lang="ko-KR" altLang="en-US" sz="1351">
-                <a:latin typeface="Times New Roman" panose="02020603050405020304" pitchFamily="18" charset="0"/>
-                <a:cs typeface="Times New Roman" panose="02020603050405020304" pitchFamily="18" charset="0"/>
-              </a:endParaRPr>
-            </a:p>
-          </p:txBody>
-        </p:sp>
-        <p:cxnSp>
-          <p:nvCxnSpPr>
-            <p:cNvPr id="37" name="직선 화살표 연결선 36"/>
-            <p:cNvCxnSpPr>
-              <a:stCxn id="36" idx="0"/>
-              <a:endCxn id="38" idx="2"/>
-            </p:cNvCxnSpPr>
-            <p:nvPr/>
-          </p:nvCxnSpPr>
-          <p:spPr>
-            <a:xfrm flipV="1">
-              <a:off x="4771296" y="3407312"/>
-              <a:ext cx="162481" cy="125718"/>
-            </a:xfrm>
-            <a:prstGeom prst="straightConnector1">
-              <a:avLst/>
-            </a:prstGeom>
-            <a:ln>
-              <a:solidFill>
-                <a:srgbClr val="002060"/>
-              </a:solidFill>
-              <a:tailEnd type="triangle"/>
-            </a:ln>
-          </p:spPr>
-          <p:style>
-            <a:lnRef idx="1">
-              <a:schemeClr val="accent1"/>
-            </a:lnRef>
-            <a:fillRef idx="0">
-              <a:schemeClr val="accent1"/>
-            </a:fillRef>
-            <a:effectRef idx="0">
-              <a:schemeClr val="accent1"/>
-            </a:effectRef>
-            <a:fontRef idx="minor">
-              <a:schemeClr val="tx1"/>
-            </a:fontRef>
-          </p:style>
-        </p:cxnSp>
-        <p:sp>
-          <p:nvSpPr>
-            <p:cNvPr id="38" name="TextBox 37"/>
-            <p:cNvSpPr txBox="1"/>
-            <p:nvPr/>
-          </p:nvSpPr>
-          <p:spPr>
-            <a:xfrm>
-              <a:off x="4367752" y="3088825"/>
-              <a:ext cx="1132051" cy="318487"/>
-            </a:xfrm>
-            <a:prstGeom prst="rect">
-              <a:avLst/>
-            </a:prstGeom>
-            <a:noFill/>
-          </p:spPr>
-          <p:txBody>
-            <a:bodyPr wrap="square" rtlCol="0">
-              <a:spAutoFit/>
-            </a:bodyPr>
-            <a:lstStyle/>
-            <a:p>
-              <a:pPr algn="ctr"/>
-              <a:r>
-                <a:rPr lang="en-US" altLang="ko-KR" sz="2800" b="1" dirty="0">
-                  <a:solidFill>
-                    <a:srgbClr val="002060"/>
-                  </a:solidFill>
-                  <a:latin typeface="Times New Roman" panose="02020603050405020304" pitchFamily="18" charset="0"/>
-                  <a:ea typeface="배달의민족 주아" panose="02020603020101020101" pitchFamily="18" charset="-127"/>
-                  <a:cs typeface="Times New Roman" panose="02020603050405020304" pitchFamily="18" charset="0"/>
-                </a:rPr>
-                <a:t>UWB tag</a:t>
-              </a:r>
-              <a:endParaRPr lang="ko-KR" altLang="en-US" sz="2800" b="1" dirty="0">
-                <a:solidFill>
-                  <a:srgbClr val="002060"/>
-                </a:solidFill>
-                <a:latin typeface="Times New Roman" panose="02020603050405020304" pitchFamily="18" charset="0"/>
-                <a:ea typeface="배달의민족 주아" panose="02020603020101020101" pitchFamily="18" charset="-127"/>
-                <a:cs typeface="Times New Roman" panose="02020603050405020304" pitchFamily="18" charset="0"/>
-              </a:endParaRPr>
-            </a:p>
-          </p:txBody>
-        </p:sp>
-      </p:grpSp>
       <p:pic>
         <p:nvPicPr>
-          <p:cNvPr id="54" name="그림 53"/>
+          <p:cNvPr id="34" name="그림 33"/>
           <p:cNvPicPr>
             <a:picLocks/>
           </p:cNvPicPr>
           <p:nvPr/>
         </p:nvPicPr>
         <p:blipFill>
-          <a:blip r:embed="rId3"/>
+          <a:blip r:embed="rId3" cstate="print">
+            <a:extLst>
+              <a:ext uri="{28A0092B-C50C-407E-A947-70E740481C1C}">
+                <a14:useLocalDpi xmlns:a14="http://schemas.microsoft.com/office/drawing/2010/main" val="0"/>
+              </a:ext>
+            </a:extLst>
+          </a:blip>
           <a:stretch>
             <a:fillRect/>
           </a:stretch>
         </p:blipFill>
         <p:spPr>
           <a:xfrm>
-            <a:off x="543518" y="4361536"/>
-            <a:ext cx="2810030" cy="1774257"/>
+            <a:off x="1949537" y="1760045"/>
+            <a:ext cx="1405015" cy="1774257"/>
           </a:xfrm>
           <a:prstGeom prst="rect">
             <a:avLst/>
@@ -3479,63 +3739,20 @@
       </p:pic>
       <p:sp>
         <p:nvSpPr>
-          <p:cNvPr id="51" name="직사각형 50"/>
+          <p:cNvPr id="36" name="타원 35"/>
           <p:cNvSpPr/>
           <p:nvPr/>
         </p:nvSpPr>
         <p:spPr>
           <a:xfrm>
-            <a:off x="-7366" y="3676186"/>
-            <a:ext cx="3786549" cy="523220"/>
-          </a:xfrm>
-          <a:prstGeom prst="rect">
-            <a:avLst/>
-          </a:prstGeom>
-        </p:spPr>
-        <p:txBody>
-          <a:bodyPr wrap="none">
-            <a:spAutoFit/>
-          </a:bodyPr>
-          <a:lstStyle/>
-          <a:p>
-            <a:pPr algn="ctr"/>
-            <a:r>
-              <a:rPr lang="en-US" altLang="ko-KR" sz="2800" b="1" dirty="0">
-                <a:solidFill>
-                  <a:srgbClr val="002060"/>
-                </a:solidFill>
-                <a:latin typeface="Times New Roman" panose="02020603050405020304" pitchFamily="18" charset="0"/>
-                <a:ea typeface="배달의민족 주아"/>
-                <a:cs typeface="Times New Roman" panose="02020603050405020304" pitchFamily="18" charset="0"/>
-              </a:rPr>
-              <a:t>Motion capture camera</a:t>
-            </a:r>
-            <a:endParaRPr lang="ko-KR" altLang="en-US" sz="2800" b="1" dirty="0">
-              <a:solidFill>
-                <a:srgbClr val="002060"/>
-              </a:solidFill>
-              <a:latin typeface="Times New Roman" panose="02020603050405020304" pitchFamily="18" charset="0"/>
-              <a:cs typeface="Times New Roman" panose="02020603050405020304" pitchFamily="18" charset="0"/>
-            </a:endParaRPr>
-          </a:p>
-        </p:txBody>
-      </p:sp>
-      <p:sp>
-        <p:nvSpPr>
-          <p:cNvPr id="52" name="타원 51"/>
-          <p:cNvSpPr/>
-          <p:nvPr/>
-        </p:nvSpPr>
-        <p:spPr>
-          <a:xfrm>
-            <a:off x="2308496" y="4929068"/>
-            <a:ext cx="560537" cy="579666"/>
+            <a:off x="2307113" y="1758031"/>
+            <a:ext cx="662700" cy="466699"/>
           </a:xfrm>
           <a:prstGeom prst="ellipse">
             <a:avLst/>
           </a:prstGeom>
           <a:noFill/>
-          <a:ln w="19050">
+          <a:ln w="25400">
             <a:solidFill>
               <a:srgbClr val="002060"/>
             </a:solidFill>
@@ -3571,9 +3788,214 @@
       </p:sp>
       <p:cxnSp>
         <p:nvCxnSpPr>
+          <p:cNvPr id="37" name="직선 화살표 연결선 36"/>
+          <p:cNvCxnSpPr>
+            <a:stCxn id="34" idx="0"/>
+            <a:endCxn id="38" idx="2"/>
+          </p:cNvCxnSpPr>
+          <p:nvPr/>
+        </p:nvCxnSpPr>
+        <p:spPr>
+          <a:xfrm flipV="1">
+            <a:off x="2652044" y="1551497"/>
+            <a:ext cx="240072" cy="208548"/>
+          </a:xfrm>
+          <a:prstGeom prst="straightConnector1">
+            <a:avLst/>
+          </a:prstGeom>
+          <a:ln w="19050">
+            <a:solidFill>
+              <a:srgbClr val="002060"/>
+            </a:solidFill>
+            <a:tailEnd type="triangle"/>
+          </a:ln>
+        </p:spPr>
+        <p:style>
+          <a:lnRef idx="1">
+            <a:schemeClr val="accent1"/>
+          </a:lnRef>
+          <a:fillRef idx="0">
+            <a:schemeClr val="accent1"/>
+          </a:fillRef>
+          <a:effectRef idx="0">
+            <a:schemeClr val="accent1"/>
+          </a:effectRef>
+          <a:fontRef idx="minor">
+            <a:schemeClr val="tx1"/>
+          </a:fontRef>
+        </p:style>
+      </p:cxnSp>
+      <p:sp>
+        <p:nvSpPr>
+          <p:cNvPr id="38" name="TextBox 37"/>
+          <p:cNvSpPr txBox="1"/>
+          <p:nvPr/>
+        </p:nvSpPr>
+        <p:spPr>
+          <a:xfrm>
+            <a:off x="2008479" y="1028277"/>
+            <a:ext cx="1767276" cy="523220"/>
+          </a:xfrm>
+          <a:prstGeom prst="rect">
+            <a:avLst/>
+          </a:prstGeom>
+          <a:noFill/>
+        </p:spPr>
+        <p:txBody>
+          <a:bodyPr wrap="square" rtlCol="0">
+            <a:spAutoFit/>
+          </a:bodyPr>
+          <a:lstStyle/>
+          <a:p>
+            <a:pPr algn="ctr"/>
+            <a:r>
+              <a:rPr lang="en-US" altLang="ko-KR" sz="2800" b="1" dirty="0">
+                <a:solidFill>
+                  <a:srgbClr val="002060"/>
+                </a:solidFill>
+                <a:latin typeface="Times New Roman" panose="02020603050405020304" pitchFamily="18" charset="0"/>
+                <a:ea typeface="배달의민족 주아" panose="02020603020101020101" pitchFamily="18" charset="-127"/>
+                <a:cs typeface="Times New Roman" panose="02020603050405020304" pitchFamily="18" charset="0"/>
+              </a:rPr>
+              <a:t>UWB tag</a:t>
+            </a:r>
+            <a:endParaRPr lang="ko-KR" altLang="en-US" sz="2800" b="1" dirty="0">
+              <a:solidFill>
+                <a:srgbClr val="002060"/>
+              </a:solidFill>
+              <a:latin typeface="Times New Roman" panose="02020603050405020304" pitchFamily="18" charset="0"/>
+              <a:ea typeface="배달의민족 주아" panose="02020603020101020101" pitchFamily="18" charset="-127"/>
+              <a:cs typeface="Times New Roman" panose="02020603050405020304" pitchFamily="18" charset="0"/>
+            </a:endParaRPr>
+          </a:p>
+        </p:txBody>
+      </p:sp>
+      <p:pic>
+        <p:nvPicPr>
+          <p:cNvPr id="54" name="그림 53"/>
+          <p:cNvPicPr>
+            <a:picLocks/>
+          </p:cNvPicPr>
+          <p:nvPr/>
+        </p:nvPicPr>
+        <p:blipFill>
+          <a:blip r:embed="rId4"/>
+          <a:stretch>
+            <a:fillRect/>
+          </a:stretch>
+        </p:blipFill>
+        <p:spPr>
+          <a:xfrm>
+            <a:off x="543518" y="4361536"/>
+            <a:ext cx="2810030" cy="1774257"/>
+          </a:xfrm>
+          <a:prstGeom prst="rect">
+            <a:avLst/>
+          </a:prstGeom>
+          <a:ln>
+            <a:solidFill>
+              <a:schemeClr val="tx1"/>
+            </a:solidFill>
+          </a:ln>
+        </p:spPr>
+      </p:pic>
+      <p:sp>
+        <p:nvSpPr>
+          <p:cNvPr id="51" name="직사각형 50"/>
+          <p:cNvSpPr/>
+          <p:nvPr/>
+        </p:nvSpPr>
+        <p:spPr>
+          <a:xfrm>
+            <a:off x="-7366" y="3676186"/>
+            <a:ext cx="3786549" cy="523220"/>
+          </a:xfrm>
+          <a:prstGeom prst="rect">
+            <a:avLst/>
+          </a:prstGeom>
+        </p:spPr>
+        <p:txBody>
+          <a:bodyPr wrap="none">
+            <a:spAutoFit/>
+          </a:bodyPr>
+          <a:lstStyle/>
+          <a:p>
+            <a:pPr algn="ctr"/>
+            <a:r>
+              <a:rPr lang="en-US" altLang="ko-KR" sz="2800" b="1" dirty="0">
+                <a:solidFill>
+                  <a:srgbClr val="002060"/>
+                </a:solidFill>
+                <a:latin typeface="Times New Roman" panose="02020603050405020304" pitchFamily="18" charset="0"/>
+                <a:ea typeface="배달의민족 주아"/>
+                <a:cs typeface="Times New Roman" panose="02020603050405020304" pitchFamily="18" charset="0"/>
+              </a:rPr>
+              <a:t>Motion capture camera</a:t>
+            </a:r>
+            <a:endParaRPr lang="ko-KR" altLang="en-US" sz="2800" b="1" dirty="0">
+              <a:solidFill>
+                <a:srgbClr val="002060"/>
+              </a:solidFill>
+              <a:latin typeface="Times New Roman" panose="02020603050405020304" pitchFamily="18" charset="0"/>
+              <a:cs typeface="Times New Roman" panose="02020603050405020304" pitchFamily="18" charset="0"/>
+            </a:endParaRPr>
+          </a:p>
+        </p:txBody>
+      </p:sp>
+      <p:sp>
+        <p:nvSpPr>
+          <p:cNvPr id="52" name="타원 51"/>
+          <p:cNvSpPr/>
+          <p:nvPr/>
+        </p:nvSpPr>
+        <p:spPr>
+          <a:xfrm>
+            <a:off x="2527952" y="4965644"/>
+            <a:ext cx="560537" cy="579666"/>
+          </a:xfrm>
+          <a:prstGeom prst="ellipse">
+            <a:avLst/>
+          </a:prstGeom>
+          <a:noFill/>
+          <a:ln w="25400">
+            <a:solidFill>
+              <a:srgbClr val="002060"/>
+            </a:solidFill>
+          </a:ln>
+        </p:spPr>
+        <p:style>
+          <a:lnRef idx="2">
+            <a:schemeClr val="accent1">
+              <a:shade val="50000"/>
+            </a:schemeClr>
+          </a:lnRef>
+          <a:fillRef idx="1">
+            <a:schemeClr val="accent1"/>
+          </a:fillRef>
+          <a:effectRef idx="0">
+            <a:schemeClr val="accent1"/>
+          </a:effectRef>
+          <a:fontRef idx="minor">
+            <a:schemeClr val="lt1"/>
+          </a:fontRef>
+        </p:style>
+        <p:txBody>
+          <a:bodyPr rtlCol="0" anchor="ctr"/>
+          <a:lstStyle/>
+          <a:p>
+            <a:pPr algn="ctr"/>
+            <a:endParaRPr lang="ko-KR" altLang="en-US" sz="1351">
+              <a:latin typeface="Times New Roman" panose="02020603050405020304" pitchFamily="18" charset="0"/>
+              <a:cs typeface="Times New Roman" panose="02020603050405020304" pitchFamily="18" charset="0"/>
+            </a:endParaRPr>
+          </a:p>
+        </p:txBody>
+      </p:sp>
+      <p:cxnSp>
+        <p:nvCxnSpPr>
           <p:cNvPr id="53" name="직선 화살표 연결선 52"/>
           <p:cNvCxnSpPr>
-            <a:stCxn id="52" idx="0"/>
+            <a:stCxn id="52" idx="1"/>
             <a:endCxn id="51" idx="2"/>
           </p:cNvCxnSpPr>
           <p:nvPr/>
@@ -3581,12 +4003,12 @@
         <p:spPr>
           <a:xfrm flipH="1" flipV="1">
             <a:off x="1885909" y="4199406"/>
-            <a:ext cx="702856" cy="729662"/>
+            <a:ext cx="724132" cy="851128"/>
           </a:xfrm>
           <a:prstGeom prst="straightConnector1">
             <a:avLst/>
           </a:prstGeom>
-          <a:ln>
+          <a:ln w="19050">
             <a:solidFill>
               <a:srgbClr val="002060"/>
             </a:solidFill>
@@ -3625,7 +4047,7 @@
           <a:prstGeom prst="straightConnector1">
             <a:avLst/>
           </a:prstGeom>
-          <a:ln w="6350">
+          <a:ln w="19050">
             <a:solidFill>
               <a:schemeClr val="tx1"/>
             </a:solidFill>
@@ -3664,7 +4086,7 @@
           <a:prstGeom prst="straightConnector1">
             <a:avLst/>
           </a:prstGeom>
-          <a:ln w="6350">
+          <a:ln w="19050">
             <a:solidFill>
               <a:schemeClr val="tx1"/>
             </a:solidFill>
@@ -3703,7 +4125,7 @@
           <a:prstGeom prst="line">
             <a:avLst/>
           </a:prstGeom>
-          <a:ln>
+          <a:ln w="19050">
             <a:solidFill>
               <a:schemeClr val="tx1"/>
             </a:solidFill>
@@ -3724,189 +4146,173 @@
           </a:fontRef>
         </p:style>
       </p:cxnSp>
-      <p:grpSp>
-        <p:nvGrpSpPr>
-          <p:cNvPr id="109" name="그룹 108"/>
-          <p:cNvGrpSpPr/>
+      <p:pic>
+        <p:nvPicPr>
+          <p:cNvPr id="110" name="그림 109"/>
+          <p:cNvPicPr>
+            <a:picLocks/>
+          </p:cNvPicPr>
           <p:nvPr/>
-        </p:nvGrpSpPr>
-        <p:grpSpPr>
+        </p:nvPicPr>
+        <p:blipFill>
+          <a:blip r:embed="rId5" cstate="print">
+            <a:extLst>
+              <a:ext uri="{28A0092B-C50C-407E-A947-70E740481C1C}">
+                <a14:useLocalDpi xmlns:a14="http://schemas.microsoft.com/office/drawing/2010/main" val="0"/>
+              </a:ext>
+            </a:extLst>
+          </a:blip>
+          <a:stretch>
+            <a:fillRect/>
+          </a:stretch>
+        </p:blipFill>
+        <p:spPr>
+          <a:xfrm>
+            <a:off x="531258" y="1760045"/>
+            <a:ext cx="1124012" cy="1774257"/>
+          </a:xfrm>
+          <a:prstGeom prst="rect">
+            <a:avLst/>
+          </a:prstGeom>
+          <a:ln>
+            <a:solidFill>
+              <a:schemeClr val="tx1"/>
+            </a:solidFill>
+          </a:ln>
+        </p:spPr>
+      </p:pic>
+      <p:sp>
+        <p:nvSpPr>
+          <p:cNvPr id="111" name="타원 110"/>
+          <p:cNvSpPr/>
+          <p:nvPr/>
+        </p:nvSpPr>
+        <p:spPr>
+          <a:xfrm>
+            <a:off x="776788" y="1922977"/>
+            <a:ext cx="629547" cy="450418"/>
+          </a:xfrm>
+          <a:prstGeom prst="ellipse">
+            <a:avLst/>
+          </a:prstGeom>
+          <a:noFill/>
+          <a:ln w="25400">
+            <a:solidFill>
+              <a:srgbClr val="002060"/>
+            </a:solidFill>
+          </a:ln>
+        </p:spPr>
+        <p:style>
+          <a:lnRef idx="2">
+            <a:schemeClr val="accent1">
+              <a:shade val="50000"/>
+            </a:schemeClr>
+          </a:lnRef>
+          <a:fillRef idx="1">
+            <a:schemeClr val="accent1"/>
+          </a:fillRef>
+          <a:effectRef idx="0">
+            <a:schemeClr val="accent1"/>
+          </a:effectRef>
+          <a:fontRef idx="minor">
+            <a:schemeClr val="lt1"/>
+          </a:fontRef>
+        </p:style>
+        <p:txBody>
+          <a:bodyPr rtlCol="0" anchor="ctr"/>
+          <a:lstStyle/>
+          <a:p>
+            <a:pPr algn="ctr"/>
+            <a:endParaRPr lang="ko-KR" altLang="en-US" sz="1351">
+              <a:latin typeface="Times New Roman" panose="02020603050405020304" pitchFamily="18" charset="0"/>
+              <a:cs typeface="Times New Roman" panose="02020603050405020304" pitchFamily="18" charset="0"/>
+            </a:endParaRPr>
+          </a:p>
+        </p:txBody>
+      </p:sp>
+      <p:sp>
+        <p:nvSpPr>
+          <p:cNvPr id="112" name="TextBox 111"/>
+          <p:cNvSpPr txBox="1"/>
+          <p:nvPr/>
+        </p:nvSpPr>
+        <p:spPr>
           <a:xfrm>
             <a:off x="-151751" y="1040595"/>
-            <a:ext cx="2375589" cy="2493707"/>
-            <a:chOff x="4972486" y="3096323"/>
-            <a:chExt cx="1521713" cy="1517933"/>
-          </a:xfrm>
-        </p:grpSpPr>
-        <p:pic>
-          <p:nvPicPr>
-            <p:cNvPr id="110" name="그림 109"/>
-            <p:cNvPicPr>
-              <a:picLocks/>
-            </p:cNvPicPr>
-            <p:nvPr/>
-          </p:nvPicPr>
-          <p:blipFill>
-            <a:blip r:embed="rId4" cstate="print">
-              <a:extLst>
-                <a:ext uri="{28A0092B-C50C-407E-A947-70E740481C1C}">
-                  <a14:useLocalDpi xmlns:a14="http://schemas.microsoft.com/office/drawing/2010/main" val="0"/>
-                </a:ext>
-              </a:extLst>
-            </a:blip>
-            <a:stretch>
-              <a:fillRect/>
-            </a:stretch>
-          </p:blipFill>
-          <p:spPr>
-            <a:xfrm>
-              <a:off x="5409996" y="3534256"/>
-              <a:ext cx="720000" cy="1080000"/>
-            </a:xfrm>
-            <a:prstGeom prst="rect">
-              <a:avLst/>
-            </a:prstGeom>
-            <a:ln>
-              <a:solidFill>
-                <a:schemeClr val="tx1"/>
-              </a:solidFill>
-            </a:ln>
-          </p:spPr>
-        </p:pic>
-        <p:sp>
-          <p:nvSpPr>
-            <p:cNvPr id="111" name="타원 110"/>
-            <p:cNvSpPr/>
-            <p:nvPr/>
-          </p:nvSpPr>
-          <p:spPr>
-            <a:xfrm>
-              <a:off x="5567273" y="3633434"/>
-              <a:ext cx="403264" cy="274172"/>
-            </a:xfrm>
-            <a:prstGeom prst="ellipse">
-              <a:avLst/>
-            </a:prstGeom>
-            <a:noFill/>
-            <a:ln w="19050">
-              <a:solidFill>
-                <a:srgbClr val="002060"/>
-              </a:solidFill>
-            </a:ln>
-          </p:spPr>
-          <p:style>
-            <a:lnRef idx="2">
-              <a:schemeClr val="accent1">
-                <a:shade val="50000"/>
-              </a:schemeClr>
-            </a:lnRef>
-            <a:fillRef idx="1">
-              <a:schemeClr val="accent1"/>
-            </a:fillRef>
-            <a:effectRef idx="0">
-              <a:schemeClr val="accent1"/>
-            </a:effectRef>
-            <a:fontRef idx="minor">
-              <a:schemeClr val="lt1"/>
-            </a:fontRef>
-          </p:style>
-          <p:txBody>
-            <a:bodyPr rtlCol="0" anchor="ctr"/>
-            <a:lstStyle/>
-            <a:p>
-              <a:pPr algn="ctr"/>
-              <a:endParaRPr lang="ko-KR" altLang="en-US" sz="1351">
-                <a:latin typeface="Times New Roman" panose="02020603050405020304" pitchFamily="18" charset="0"/>
-                <a:cs typeface="Times New Roman" panose="02020603050405020304" pitchFamily="18" charset="0"/>
-              </a:endParaRPr>
-            </a:p>
-          </p:txBody>
-        </p:sp>
-        <p:sp>
-          <p:nvSpPr>
-            <p:cNvPr id="112" name="TextBox 111"/>
-            <p:cNvSpPr txBox="1"/>
-            <p:nvPr/>
-          </p:nvSpPr>
-          <p:spPr>
-            <a:xfrm>
-              <a:off x="4972486" y="3096323"/>
-              <a:ext cx="1521713" cy="318487"/>
-            </a:xfrm>
-            <a:prstGeom prst="rect">
-              <a:avLst/>
-            </a:prstGeom>
-            <a:noFill/>
-          </p:spPr>
-          <p:txBody>
-            <a:bodyPr wrap="square" rtlCol="0">
-              <a:spAutoFit/>
-            </a:bodyPr>
-            <a:lstStyle/>
-            <a:p>
-              <a:pPr algn="ctr"/>
-              <a:r>
-                <a:rPr lang="en-US" altLang="ko-KR" sz="2800" b="1" dirty="0">
-                  <a:solidFill>
-                    <a:srgbClr val="002060"/>
-                  </a:solidFill>
-                  <a:latin typeface="Times New Roman" panose="02020603050405020304" pitchFamily="18" charset="0"/>
-                  <a:ea typeface="배달의민족 주아" panose="02020603020101020101" pitchFamily="18" charset="-127"/>
-                  <a:cs typeface="Times New Roman" panose="02020603050405020304" pitchFamily="18" charset="0"/>
-                </a:rPr>
-                <a:t>UWB anchor</a:t>
-              </a:r>
-              <a:endParaRPr lang="ko-KR" altLang="en-US" sz="2800" b="1" dirty="0">
+            <a:ext cx="2375589" cy="523220"/>
+          </a:xfrm>
+          <a:prstGeom prst="rect">
+            <a:avLst/>
+          </a:prstGeom>
+          <a:noFill/>
+        </p:spPr>
+        <p:txBody>
+          <a:bodyPr wrap="square" rtlCol="0">
+            <a:spAutoFit/>
+          </a:bodyPr>
+          <a:lstStyle/>
+          <a:p>
+            <a:pPr algn="ctr"/>
+            <a:r>
+              <a:rPr lang="en-US" altLang="ko-KR" sz="2800" b="1" dirty="0">
                 <a:solidFill>
                   <a:srgbClr val="002060"/>
                 </a:solidFill>
                 <a:latin typeface="Times New Roman" panose="02020603050405020304" pitchFamily="18" charset="0"/>
                 <a:ea typeface="배달의민족 주아" panose="02020603020101020101" pitchFamily="18" charset="-127"/>
                 <a:cs typeface="Times New Roman" panose="02020603050405020304" pitchFamily="18" charset="0"/>
-              </a:endParaRPr>
-            </a:p>
-          </p:txBody>
-        </p:sp>
-        <p:cxnSp>
-          <p:nvCxnSpPr>
-            <p:cNvPr id="113" name="직선 화살표 연결선 112"/>
-            <p:cNvCxnSpPr>
-              <a:stCxn id="111" idx="0"/>
-              <a:endCxn id="112" idx="2"/>
-            </p:cNvCxnSpPr>
-            <p:nvPr/>
-          </p:nvCxnSpPr>
-          <p:spPr>
-            <a:xfrm flipH="1" flipV="1">
-              <a:off x="5733343" y="3414810"/>
-              <a:ext cx="35563" cy="218624"/>
-            </a:xfrm>
-            <a:prstGeom prst="straightConnector1">
-              <a:avLst/>
-            </a:prstGeom>
-            <a:ln>
+              </a:rPr>
+              <a:t>UWB anchor</a:t>
+            </a:r>
+            <a:endParaRPr lang="ko-KR" altLang="en-US" sz="2800" b="1" dirty="0">
               <a:solidFill>
                 <a:srgbClr val="002060"/>
               </a:solidFill>
-              <a:tailEnd type="triangle"/>
-            </a:ln>
-          </p:spPr>
-          <p:style>
-            <a:lnRef idx="1">
-              <a:schemeClr val="accent1"/>
-            </a:lnRef>
-            <a:fillRef idx="0">
-              <a:schemeClr val="accent1"/>
-            </a:fillRef>
-            <a:effectRef idx="0">
-              <a:schemeClr val="accent1"/>
-            </a:effectRef>
-            <a:fontRef idx="minor">
-              <a:schemeClr val="tx1"/>
-            </a:fontRef>
-          </p:style>
-        </p:cxnSp>
-      </p:grpSp>
+              <a:latin typeface="Times New Roman" panose="02020603050405020304" pitchFamily="18" charset="0"/>
+              <a:ea typeface="배달의민족 주아" panose="02020603020101020101" pitchFamily="18" charset="-127"/>
+              <a:cs typeface="Times New Roman" panose="02020603050405020304" pitchFamily="18" charset="0"/>
+            </a:endParaRPr>
+          </a:p>
+        </p:txBody>
+      </p:sp>
+      <p:cxnSp>
+        <p:nvCxnSpPr>
+          <p:cNvPr id="113" name="직선 화살표 연결선 112"/>
+          <p:cNvCxnSpPr>
+            <a:endCxn id="112" idx="2"/>
+          </p:cNvCxnSpPr>
+          <p:nvPr/>
+        </p:nvCxnSpPr>
+        <p:spPr>
+          <a:xfrm flipH="1" flipV="1">
+            <a:off x="1036044" y="1563815"/>
+            <a:ext cx="45410" cy="344116"/>
+          </a:xfrm>
+          <a:prstGeom prst="straightConnector1">
+            <a:avLst/>
+          </a:prstGeom>
+          <a:ln w="19050">
+            <a:solidFill>
+              <a:srgbClr val="002060"/>
+            </a:solidFill>
+            <a:tailEnd type="triangle"/>
+          </a:ln>
+        </p:spPr>
+        <p:style>
+          <a:lnRef idx="1">
+            <a:schemeClr val="accent1"/>
+          </a:lnRef>
+          <a:fillRef idx="0">
+            <a:schemeClr val="accent1"/>
+          </a:fillRef>
+          <a:effectRef idx="0">
+            <a:schemeClr val="accent1"/>
+          </a:effectRef>
+          <a:fontRef idx="minor">
+            <a:schemeClr val="tx1"/>
+          </a:fontRef>
+        </p:style>
+      </p:cxnSp>
     </p:spTree>
     <p:extLst>
       <p:ext uri="{BB962C8B-B14F-4D97-AF65-F5344CB8AC3E}">
@@ -4186,4 +4592,265 @@
     </a:ext>
   </a:extLst>
 </a:theme>
+</file>
+
+<file path=ppt/theme/theme2.xml><?xml version="1.0" encoding="utf-8"?>
+<a:theme xmlns:a="http://schemas.openxmlformats.org/drawingml/2006/main" name="Office 테마">
+  <a:themeElements>
+    <a:clrScheme name="Office">
+      <a:dk1>
+        <a:sysClr val="windowText" lastClr="000000"/>
+      </a:dk1>
+      <a:lt1>
+        <a:sysClr val="window" lastClr="FFFFFF"/>
+      </a:lt1>
+      <a:dk2>
+        <a:srgbClr val="44546A"/>
+      </a:dk2>
+      <a:lt2>
+        <a:srgbClr val="E7E6E6"/>
+      </a:lt2>
+      <a:accent1>
+        <a:srgbClr val="5B9BD5"/>
+      </a:accent1>
+      <a:accent2>
+        <a:srgbClr val="ED7D31"/>
+      </a:accent2>
+      <a:accent3>
+        <a:srgbClr val="A5A5A5"/>
+      </a:accent3>
+      <a:accent4>
+        <a:srgbClr val="FFC000"/>
+      </a:accent4>
+      <a:accent5>
+        <a:srgbClr val="4472C4"/>
+      </a:accent5>
+      <a:accent6>
+        <a:srgbClr val="70AD47"/>
+      </a:accent6>
+      <a:hlink>
+        <a:srgbClr val="0563C1"/>
+      </a:hlink>
+      <a:folHlink>
+        <a:srgbClr val="954F72"/>
+      </a:folHlink>
+    </a:clrScheme>
+    <a:fontScheme name="Office">
+      <a:majorFont>
+        <a:latin typeface="맑은 고딕" panose="020F0302020204030204"/>
+        <a:ea typeface=""/>
+        <a:cs typeface=""/>
+        <a:font script="Jpan" typeface="游ゴシック Light"/>
+        <a:font script="Hang" typeface="맑은 고딕"/>
+        <a:font script="Hans" typeface="等线 Light"/>
+        <a:font script="Hant" typeface="新細明體"/>
+        <a:font script="Arab" typeface="Times New Roman"/>
+        <a:font script="Hebr" typeface="Times New Roman"/>
+        <a:font script="Thai" typeface="Angsana New"/>
+        <a:font script="Ethi" typeface="Nyala"/>
+        <a:font script="Beng" typeface="Vrinda"/>
+        <a:font script="Gujr" typeface="Shruti"/>
+        <a:font script="Khmr" typeface="MoolBoran"/>
+        <a:font script="Knda" typeface="Tunga"/>
+        <a:font script="Guru" typeface="Raavi"/>
+        <a:font script="Cans" typeface="Euphemia"/>
+        <a:font script="Cher" typeface="Plantagenet Cherokee"/>
+        <a:font script="Yiii" typeface="Microsoft Yi Baiti"/>
+        <a:font script="Tibt" typeface="Microsoft Himalaya"/>
+        <a:font script="Thaa" typeface="MV Boli"/>
+        <a:font script="Deva" typeface="Mangal"/>
+        <a:font script="Telu" typeface="Gautami"/>
+        <a:font script="Taml" typeface="Latha"/>
+        <a:font script="Syrc" typeface="Estrangelo Edessa"/>
+        <a:font script="Orya" typeface="Kalinga"/>
+        <a:font script="Mlym" typeface="Kartika"/>
+        <a:font script="Laoo" typeface="DokChampa"/>
+        <a:font script="Sinh" typeface="Iskoola Pota"/>
+        <a:font script="Mong" typeface="Mongolian Baiti"/>
+        <a:font script="Viet" typeface="Times New Roman"/>
+        <a:font script="Uigh" typeface="Microsoft Uighur"/>
+        <a:font script="Geor" typeface="Sylfaen"/>
+      </a:majorFont>
+      <a:minorFont>
+        <a:latin typeface="맑은 고딕" panose="020F0502020204030204"/>
+        <a:ea typeface=""/>
+        <a:cs typeface=""/>
+        <a:font script="Jpan" typeface="游ゴシック"/>
+        <a:font script="Hang" typeface="맑은 고딕"/>
+        <a:font script="Hans" typeface="等线"/>
+        <a:font script="Hant" typeface="新細明體"/>
+        <a:font script="Arab" typeface="Arial"/>
+        <a:font script="Hebr" typeface="Arial"/>
+        <a:font script="Thai" typeface="Cordia New"/>
+        <a:font script="Ethi" typeface="Nyala"/>
+        <a:font script="Beng" typeface="Vrinda"/>
+        <a:font script="Gujr" typeface="Shruti"/>
+        <a:font script="Khmr" typeface="DaunPenh"/>
+        <a:font script="Knda" typeface="Tunga"/>
+        <a:font script="Guru" typeface="Raavi"/>
+        <a:font script="Cans" typeface="Euphemia"/>
+        <a:font script="Cher" typeface="Plantagenet Cherokee"/>
+        <a:font script="Yiii" typeface="Microsoft Yi Baiti"/>
+        <a:font script="Tibt" typeface="Microsoft Himalaya"/>
+        <a:font script="Thaa" typeface="MV Boli"/>
+        <a:font script="Deva" typeface="Mangal"/>
+        <a:font script="Telu" typeface="Gautami"/>
+        <a:font script="Taml" typeface="Latha"/>
+        <a:font script="Syrc" typeface="Estrangelo Edessa"/>
+        <a:font script="Orya" typeface="Kalinga"/>
+        <a:font script="Mlym" typeface="Kartika"/>
+        <a:font script="Laoo" typeface="DokChampa"/>
+        <a:font script="Sinh" typeface="Iskoola Pota"/>
+        <a:font script="Mong" typeface="Mongolian Baiti"/>
+        <a:font script="Viet" typeface="Arial"/>
+        <a:font script="Uigh" typeface="Microsoft Uighur"/>
+        <a:font script="Geor" typeface="Sylfaen"/>
+      </a:minorFont>
+    </a:fontScheme>
+    <a:fmtScheme name="Office">
+      <a:fillStyleLst>
+        <a:solidFill>
+          <a:schemeClr val="phClr"/>
+        </a:solidFill>
+        <a:gradFill rotWithShape="1">
+          <a:gsLst>
+            <a:gs pos="0">
+              <a:schemeClr val="phClr">
+                <a:lumMod val="110000"/>
+                <a:satMod val="105000"/>
+                <a:tint val="67000"/>
+              </a:schemeClr>
+            </a:gs>
+            <a:gs pos="50000">
+              <a:schemeClr val="phClr">
+                <a:lumMod val="105000"/>
+                <a:satMod val="103000"/>
+                <a:tint val="73000"/>
+              </a:schemeClr>
+            </a:gs>
+            <a:gs pos="100000">
+              <a:schemeClr val="phClr">
+                <a:lumMod val="105000"/>
+                <a:satMod val="109000"/>
+                <a:tint val="81000"/>
+              </a:schemeClr>
+            </a:gs>
+          </a:gsLst>
+          <a:lin ang="5400000" scaled="0"/>
+        </a:gradFill>
+        <a:gradFill rotWithShape="1">
+          <a:gsLst>
+            <a:gs pos="0">
+              <a:schemeClr val="phClr">
+                <a:satMod val="103000"/>
+                <a:lumMod val="102000"/>
+                <a:tint val="94000"/>
+              </a:schemeClr>
+            </a:gs>
+            <a:gs pos="50000">
+              <a:schemeClr val="phClr">
+                <a:satMod val="110000"/>
+                <a:lumMod val="100000"/>
+                <a:shade val="100000"/>
+              </a:schemeClr>
+            </a:gs>
+            <a:gs pos="100000">
+              <a:schemeClr val="phClr">
+                <a:lumMod val="99000"/>
+                <a:satMod val="120000"/>
+                <a:shade val="78000"/>
+              </a:schemeClr>
+            </a:gs>
+          </a:gsLst>
+          <a:lin ang="5400000" scaled="0"/>
+        </a:gradFill>
+      </a:fillStyleLst>
+      <a:lnStyleLst>
+        <a:ln w="6350" cap="flat" cmpd="sng" algn="ctr">
+          <a:solidFill>
+            <a:schemeClr val="phClr"/>
+          </a:solidFill>
+          <a:prstDash val="solid"/>
+          <a:miter lim="800000"/>
+        </a:ln>
+        <a:ln w="12700" cap="flat" cmpd="sng" algn="ctr">
+          <a:solidFill>
+            <a:schemeClr val="phClr"/>
+          </a:solidFill>
+          <a:prstDash val="solid"/>
+          <a:miter lim="800000"/>
+        </a:ln>
+        <a:ln w="19050" cap="flat" cmpd="sng" algn="ctr">
+          <a:solidFill>
+            <a:schemeClr val="phClr"/>
+          </a:solidFill>
+          <a:prstDash val="solid"/>
+          <a:miter lim="800000"/>
+        </a:ln>
+      </a:lnStyleLst>
+      <a:effectStyleLst>
+        <a:effectStyle>
+          <a:effectLst/>
+        </a:effectStyle>
+        <a:effectStyle>
+          <a:effectLst/>
+        </a:effectStyle>
+        <a:effectStyle>
+          <a:effectLst>
+            <a:outerShdw blurRad="57150" dist="19050" dir="5400000" algn="ctr" rotWithShape="0">
+              <a:srgbClr val="000000">
+                <a:alpha val="63000"/>
+              </a:srgbClr>
+            </a:outerShdw>
+          </a:effectLst>
+        </a:effectStyle>
+      </a:effectStyleLst>
+      <a:bgFillStyleLst>
+        <a:solidFill>
+          <a:schemeClr val="phClr"/>
+        </a:solidFill>
+        <a:solidFill>
+          <a:schemeClr val="phClr">
+            <a:tint val="95000"/>
+            <a:satMod val="170000"/>
+          </a:schemeClr>
+        </a:solidFill>
+        <a:gradFill rotWithShape="1">
+          <a:gsLst>
+            <a:gs pos="0">
+              <a:schemeClr val="phClr">
+                <a:tint val="93000"/>
+                <a:satMod val="150000"/>
+                <a:shade val="98000"/>
+                <a:lumMod val="102000"/>
+              </a:schemeClr>
+            </a:gs>
+            <a:gs pos="50000">
+              <a:schemeClr val="phClr">
+                <a:tint val="98000"/>
+                <a:satMod val="130000"/>
+                <a:shade val="90000"/>
+                <a:lumMod val="103000"/>
+              </a:schemeClr>
+            </a:gs>
+            <a:gs pos="100000">
+              <a:schemeClr val="phClr">
+                <a:shade val="63000"/>
+                <a:satMod val="120000"/>
+              </a:schemeClr>
+            </a:gs>
+          </a:gsLst>
+          <a:lin ang="5400000" scaled="0"/>
+        </a:gradFill>
+      </a:bgFillStyleLst>
+    </a:fmtScheme>
+  </a:themeElements>
+  <a:objectDefaults/>
+  <a:extraClrSchemeLst/>
+  <a:extLst>
+    <a:ext uri="{05A4C25C-085E-4340-85A3-A5531E510DB2}">
+      <thm15:themeFamily xmlns:thm15="http://schemas.microsoft.com/office/thememl/2012/main" name="Office Theme" id="{62F939B6-93AF-4DB8-9C6B-D6C7DFDC589F}" vid="{4A3C46E8-61CC-4603-A589-7422A47A8E4A}"/>
+    </a:ext>
+  </a:extLst>
+</a:theme>
 </file>
--- a/changgyu_참고자료/dataprocess.pptx
+++ b/changgyu_참고자료/dataprocess.pptx
@@ -197,7 +197,7 @@
           <a:p>
             <a:fld id="{FE1805B7-EC3E-4D61-8370-2171B591E0C1}" type="datetimeFigureOut">
               <a:rPr lang="ko-KR" altLang="en-US" smtClean="0"/>
-              <a:t>2019-01-07</a:t>
+              <a:t>2019-02-09</a:t>
             </a:fld>
             <a:endParaRPr lang="ko-KR" altLang="en-US"/>
           </a:p>
@@ -680,7 +680,7 @@
           <a:p>
             <a:fld id="{94530561-EC2C-41A6-A262-1FDC349A748A}" type="datetimeFigureOut">
               <a:rPr lang="ko-KR" altLang="en-US" smtClean="0"/>
-              <a:t>2019-01-07</a:t>
+              <a:t>2019-02-09</a:t>
             </a:fld>
             <a:endParaRPr lang="ko-KR" altLang="en-US"/>
           </a:p>
@@ -850,7 +850,7 @@
           <a:p>
             <a:fld id="{94530561-EC2C-41A6-A262-1FDC349A748A}" type="datetimeFigureOut">
               <a:rPr lang="ko-KR" altLang="en-US" smtClean="0"/>
-              <a:t>2019-01-07</a:t>
+              <a:t>2019-02-09</a:t>
             </a:fld>
             <a:endParaRPr lang="ko-KR" altLang="en-US"/>
           </a:p>
@@ -1030,7 +1030,7 @@
           <a:p>
             <a:fld id="{94530561-EC2C-41A6-A262-1FDC349A748A}" type="datetimeFigureOut">
               <a:rPr lang="ko-KR" altLang="en-US" smtClean="0"/>
-              <a:t>2019-01-07</a:t>
+              <a:t>2019-02-09</a:t>
             </a:fld>
             <a:endParaRPr lang="ko-KR" altLang="en-US"/>
           </a:p>
@@ -1200,7 +1200,7 @@
           <a:p>
             <a:fld id="{94530561-EC2C-41A6-A262-1FDC349A748A}" type="datetimeFigureOut">
               <a:rPr lang="ko-KR" altLang="en-US" smtClean="0"/>
-              <a:t>2019-01-07</a:t>
+              <a:t>2019-02-09</a:t>
             </a:fld>
             <a:endParaRPr lang="ko-KR" altLang="en-US"/>
           </a:p>
@@ -1444,7 +1444,7 @@
           <a:p>
             <a:fld id="{94530561-EC2C-41A6-A262-1FDC349A748A}" type="datetimeFigureOut">
               <a:rPr lang="ko-KR" altLang="en-US" smtClean="0"/>
-              <a:t>2019-01-07</a:t>
+              <a:t>2019-02-09</a:t>
             </a:fld>
             <a:endParaRPr lang="ko-KR" altLang="en-US"/>
           </a:p>
@@ -1676,7 +1676,7 @@
           <a:p>
             <a:fld id="{94530561-EC2C-41A6-A262-1FDC349A748A}" type="datetimeFigureOut">
               <a:rPr lang="ko-KR" altLang="en-US" smtClean="0"/>
-              <a:t>2019-01-07</a:t>
+              <a:t>2019-02-09</a:t>
             </a:fld>
             <a:endParaRPr lang="ko-KR" altLang="en-US"/>
           </a:p>
@@ -2043,7 +2043,7 @@
           <a:p>
             <a:fld id="{94530561-EC2C-41A6-A262-1FDC349A748A}" type="datetimeFigureOut">
               <a:rPr lang="ko-KR" altLang="en-US" smtClean="0"/>
-              <a:t>2019-01-07</a:t>
+              <a:t>2019-02-09</a:t>
             </a:fld>
             <a:endParaRPr lang="ko-KR" altLang="en-US"/>
           </a:p>
@@ -2161,7 +2161,7 @@
           <a:p>
             <a:fld id="{94530561-EC2C-41A6-A262-1FDC349A748A}" type="datetimeFigureOut">
               <a:rPr lang="ko-KR" altLang="en-US" smtClean="0"/>
-              <a:t>2019-01-07</a:t>
+              <a:t>2019-02-09</a:t>
             </a:fld>
             <a:endParaRPr lang="ko-KR" altLang="en-US"/>
           </a:p>
@@ -2256,7 +2256,7 @@
           <a:p>
             <a:fld id="{94530561-EC2C-41A6-A262-1FDC349A748A}" type="datetimeFigureOut">
               <a:rPr lang="ko-KR" altLang="en-US" smtClean="0"/>
-              <a:t>2019-01-07</a:t>
+              <a:t>2019-02-09</a:t>
             </a:fld>
             <a:endParaRPr lang="ko-KR" altLang="en-US"/>
           </a:p>
@@ -2533,7 +2533,7 @@
           <a:p>
             <a:fld id="{94530561-EC2C-41A6-A262-1FDC349A748A}" type="datetimeFigureOut">
               <a:rPr lang="ko-KR" altLang="en-US" smtClean="0"/>
-              <a:t>2019-01-07</a:t>
+              <a:t>2019-02-09</a:t>
             </a:fld>
             <a:endParaRPr lang="ko-KR" altLang="en-US"/>
           </a:p>
@@ -2790,7 +2790,7 @@
           <a:p>
             <a:fld id="{94530561-EC2C-41A6-A262-1FDC349A748A}" type="datetimeFigureOut">
               <a:rPr lang="ko-KR" altLang="en-US" smtClean="0"/>
-              <a:t>2019-01-07</a:t>
+              <a:t>2019-02-09</a:t>
             </a:fld>
             <a:endParaRPr lang="ko-KR" altLang="en-US"/>
           </a:p>
@@ -3003,7 +3003,7 @@
           <a:p>
             <a:fld id="{94530561-EC2C-41A6-A262-1FDC349A748A}" type="datetimeFigureOut">
               <a:rPr lang="ko-KR" altLang="en-US" smtClean="0"/>
-              <a:t>2019-01-07</a:t>
+              <a:t>2019-02-09</a:t>
             </a:fld>
             <a:endParaRPr lang="ko-KR" altLang="en-US"/>
           </a:p>
@@ -3416,7 +3416,7 @@
         </p:nvSpPr>
         <p:spPr>
           <a:xfrm>
-            <a:off x="3615881" y="4657246"/>
+            <a:off x="3615881" y="4510942"/>
             <a:ext cx="2328812" cy="1182838"/>
           </a:xfrm>
           <a:prstGeom prst="roundRect">
@@ -3478,7 +3478,7 @@
         </p:nvSpPr>
         <p:spPr>
           <a:xfrm>
-            <a:off x="6444019" y="3092271"/>
+            <a:off x="6444019" y="2945967"/>
             <a:ext cx="2599774" cy="1774257"/>
           </a:xfrm>
           <a:prstGeom prst="roundRect">
@@ -3566,7 +3566,7 @@
         </p:nvSpPr>
         <p:spPr>
           <a:xfrm>
-            <a:off x="3615881" y="2066003"/>
+            <a:off x="3615881" y="1919699"/>
             <a:ext cx="2328812" cy="1182838"/>
           </a:xfrm>
           <a:prstGeom prst="roundRect">
@@ -3631,7 +3631,7 @@
         </p:nvCxnSpPr>
         <p:spPr>
           <a:xfrm flipV="1">
-            <a:off x="5944694" y="3979399"/>
+            <a:off x="5944694" y="3833095"/>
             <a:ext cx="499325" cy="1269265"/>
           </a:xfrm>
           <a:prstGeom prst="bentConnector3">
@@ -3672,7 +3672,7 @@
         </p:nvCxnSpPr>
         <p:spPr>
           <a:xfrm>
-            <a:off x="5944694" y="2657422"/>
+            <a:off x="5944694" y="2511118"/>
             <a:ext cx="499325" cy="1321977"/>
           </a:xfrm>
           <a:prstGeom prst="bentConnector3">
@@ -3724,7 +3724,7 @@
         </p:blipFill>
         <p:spPr>
           <a:xfrm>
-            <a:off x="1949537" y="1760045"/>
+            <a:off x="1949537" y="1613741"/>
             <a:ext cx="1405015" cy="1774257"/>
           </a:xfrm>
           <a:prstGeom prst="rect">
@@ -3745,7 +3745,7 @@
         </p:nvSpPr>
         <p:spPr>
           <a:xfrm>
-            <a:off x="2307113" y="1758031"/>
+            <a:off x="2307113" y="1611727"/>
             <a:ext cx="662700" cy="466699"/>
           </a:xfrm>
           <a:prstGeom prst="ellipse">
@@ -3797,7 +3797,7 @@
         </p:nvCxnSpPr>
         <p:spPr>
           <a:xfrm flipV="1">
-            <a:off x="2652044" y="1551497"/>
+            <a:off x="2652044" y="1405193"/>
             <a:ext cx="240072" cy="208548"/>
           </a:xfrm>
           <a:prstGeom prst="straightConnector1">
@@ -3833,7 +3833,7 @@
         </p:nvSpPr>
         <p:spPr>
           <a:xfrm>
-            <a:off x="2008479" y="1028277"/>
+            <a:off x="2008479" y="881973"/>
             <a:ext cx="1767276" cy="523220"/>
           </a:xfrm>
           <a:prstGeom prst="rect">
@@ -3870,35 +3870,6 @@
           </a:p>
         </p:txBody>
       </p:sp>
-      <p:pic>
-        <p:nvPicPr>
-          <p:cNvPr id="54" name="그림 53"/>
-          <p:cNvPicPr>
-            <a:picLocks/>
-          </p:cNvPicPr>
-          <p:nvPr/>
-        </p:nvPicPr>
-        <p:blipFill>
-          <a:blip r:embed="rId4"/>
-          <a:stretch>
-            <a:fillRect/>
-          </a:stretch>
-        </p:blipFill>
-        <p:spPr>
-          <a:xfrm>
-            <a:off x="543518" y="4361536"/>
-            <a:ext cx="2810030" cy="1774257"/>
-          </a:xfrm>
-          <a:prstGeom prst="rect">
-            <a:avLst/>
-          </a:prstGeom>
-          <a:ln>
-            <a:solidFill>
-              <a:schemeClr val="tx1"/>
-            </a:solidFill>
-          </a:ln>
-        </p:spPr>
-      </p:pic>
       <p:sp>
         <p:nvSpPr>
           <p:cNvPr id="51" name="직사각형 50"/>
@@ -3907,8 +3878,8 @@
         </p:nvSpPr>
         <p:spPr>
           <a:xfrm>
-            <a:off x="-7366" y="3676186"/>
-            <a:ext cx="3786549" cy="523220"/>
+            <a:off x="41524" y="3529882"/>
+            <a:ext cx="3688767" cy="523220"/>
           </a:xfrm>
           <a:prstGeom prst="rect">
             <a:avLst/>
@@ -3930,7 +3901,18 @@
                 <a:ea typeface="배달의민족 주아"/>
                 <a:cs typeface="Times New Roman" panose="02020603050405020304" pitchFamily="18" charset="0"/>
               </a:rPr>
-              <a:t>Motion capture camera</a:t>
+              <a:t>Motion capture </a:t>
+            </a:r>
+            <a:r>
+              <a:rPr lang="en-US" altLang="ko-KR" sz="2800" b="1" dirty="0" smtClean="0">
+                <a:solidFill>
+                  <a:srgbClr val="002060"/>
+                </a:solidFill>
+                <a:latin typeface="Times New Roman" panose="02020603050405020304" pitchFamily="18" charset="0"/>
+                <a:ea typeface="배달의민족 주아"/>
+                <a:cs typeface="Times New Roman" panose="02020603050405020304" pitchFamily="18" charset="0"/>
+              </a:rPr>
+              <a:t>system</a:t>
             </a:r>
             <a:endParaRPr lang="ko-KR" altLang="en-US" sz="2800" b="1" dirty="0">
               <a:solidFill>
@@ -3942,94 +3924,6 @@
           </a:p>
         </p:txBody>
       </p:sp>
-      <p:sp>
-        <p:nvSpPr>
-          <p:cNvPr id="52" name="타원 51"/>
-          <p:cNvSpPr/>
-          <p:nvPr/>
-        </p:nvSpPr>
-        <p:spPr>
-          <a:xfrm>
-            <a:off x="2527952" y="4965644"/>
-            <a:ext cx="560537" cy="579666"/>
-          </a:xfrm>
-          <a:prstGeom prst="ellipse">
-            <a:avLst/>
-          </a:prstGeom>
-          <a:noFill/>
-          <a:ln w="25400">
-            <a:solidFill>
-              <a:srgbClr val="002060"/>
-            </a:solidFill>
-          </a:ln>
-        </p:spPr>
-        <p:style>
-          <a:lnRef idx="2">
-            <a:schemeClr val="accent1">
-              <a:shade val="50000"/>
-            </a:schemeClr>
-          </a:lnRef>
-          <a:fillRef idx="1">
-            <a:schemeClr val="accent1"/>
-          </a:fillRef>
-          <a:effectRef idx="0">
-            <a:schemeClr val="accent1"/>
-          </a:effectRef>
-          <a:fontRef idx="minor">
-            <a:schemeClr val="lt1"/>
-          </a:fontRef>
-        </p:style>
-        <p:txBody>
-          <a:bodyPr rtlCol="0" anchor="ctr"/>
-          <a:lstStyle/>
-          <a:p>
-            <a:pPr algn="ctr"/>
-            <a:endParaRPr lang="ko-KR" altLang="en-US" sz="1351">
-              <a:latin typeface="Times New Roman" panose="02020603050405020304" pitchFamily="18" charset="0"/>
-              <a:cs typeface="Times New Roman" panose="02020603050405020304" pitchFamily="18" charset="0"/>
-            </a:endParaRPr>
-          </a:p>
-        </p:txBody>
-      </p:sp>
-      <p:cxnSp>
-        <p:nvCxnSpPr>
-          <p:cNvPr id="53" name="직선 화살표 연결선 52"/>
-          <p:cNvCxnSpPr>
-            <a:stCxn id="52" idx="1"/>
-            <a:endCxn id="51" idx="2"/>
-          </p:cNvCxnSpPr>
-          <p:nvPr/>
-        </p:nvCxnSpPr>
-        <p:spPr>
-          <a:xfrm flipH="1" flipV="1">
-            <a:off x="1885909" y="4199406"/>
-            <a:ext cx="724132" cy="851128"/>
-          </a:xfrm>
-          <a:prstGeom prst="straightConnector1">
-            <a:avLst/>
-          </a:prstGeom>
-          <a:ln w="19050">
-            <a:solidFill>
-              <a:srgbClr val="002060"/>
-            </a:solidFill>
-            <a:tailEnd type="triangle"/>
-          </a:ln>
-        </p:spPr>
-        <p:style>
-          <a:lnRef idx="1">
-            <a:schemeClr val="accent1"/>
-          </a:lnRef>
-          <a:fillRef idx="0">
-            <a:schemeClr val="accent1"/>
-          </a:fillRef>
-          <a:effectRef idx="0">
-            <a:schemeClr val="accent1"/>
-          </a:effectRef>
-          <a:fontRef idx="minor">
-            <a:schemeClr val="tx1"/>
-          </a:fontRef>
-        </p:style>
-      </p:cxnSp>
       <p:cxnSp>
         <p:nvCxnSpPr>
           <p:cNvPr id="92" name="직선 화살표 연결선 91"/>
@@ -4041,7 +3935,7 @@
         </p:nvCxnSpPr>
         <p:spPr>
           <a:xfrm>
-            <a:off x="3354552" y="2647173"/>
+            <a:off x="3354552" y="2500869"/>
             <a:ext cx="261329" cy="10249"/>
           </a:xfrm>
           <a:prstGeom prst="straightConnector1">
@@ -4073,15 +3967,15 @@
         <p:nvCxnSpPr>
           <p:cNvPr id="94" name="직선 화살표 연결선 93"/>
           <p:cNvCxnSpPr>
-            <a:stCxn id="54" idx="3"/>
+            <a:stCxn id="7" idx="3"/>
             <a:endCxn id="57" idx="1"/>
           </p:cNvCxnSpPr>
           <p:nvPr/>
         </p:nvCxnSpPr>
         <p:spPr>
-          <a:xfrm>
-            <a:off x="3353548" y="5248665"/>
-            <a:ext cx="262333" cy="0"/>
+          <a:xfrm flipV="1">
+            <a:off x="3357685" y="5102361"/>
+            <a:ext cx="258196" cy="190"/>
           </a:xfrm>
           <a:prstGeom prst="straightConnector1">
             <a:avLst/>
@@ -4119,7 +4013,7 @@
         </p:nvCxnSpPr>
         <p:spPr>
           <a:xfrm>
-            <a:off x="1655271" y="2647173"/>
+            <a:off x="1655271" y="2500869"/>
             <a:ext cx="294266" cy="0"/>
           </a:xfrm>
           <a:prstGeom prst="line">
@@ -4155,7 +4049,7 @@
           <p:nvPr/>
         </p:nvPicPr>
         <p:blipFill>
-          <a:blip r:embed="rId5" cstate="print">
+          <a:blip r:embed="rId4" cstate="print">
             <a:extLst>
               <a:ext uri="{28A0092B-C50C-407E-A947-70E740481C1C}">
                 <a14:useLocalDpi xmlns:a14="http://schemas.microsoft.com/office/drawing/2010/main" val="0"/>
@@ -4168,7 +4062,7 @@
         </p:blipFill>
         <p:spPr>
           <a:xfrm>
-            <a:off x="531258" y="1760045"/>
+            <a:off x="531258" y="1613741"/>
             <a:ext cx="1124012" cy="1774257"/>
           </a:xfrm>
           <a:prstGeom prst="rect">
@@ -4189,7 +4083,7 @@
         </p:nvSpPr>
         <p:spPr>
           <a:xfrm>
-            <a:off x="776788" y="1922977"/>
+            <a:off x="776788" y="1776673"/>
             <a:ext cx="629547" cy="450418"/>
           </a:xfrm>
           <a:prstGeom prst="ellipse">
@@ -4238,7 +4132,7 @@
         </p:nvSpPr>
         <p:spPr>
           <a:xfrm>
-            <a:off x="-151751" y="1040595"/>
+            <a:off x="-151751" y="894291"/>
             <a:ext cx="2375589" cy="523220"/>
           </a:xfrm>
           <a:prstGeom prst="rect">
@@ -4285,7 +4179,7 @@
         </p:nvCxnSpPr>
         <p:spPr>
           <a:xfrm flipH="1" flipV="1">
-            <a:off x="1036044" y="1563815"/>
+            <a:off x="1036044" y="1417511"/>
             <a:ext cx="45410" cy="344116"/>
           </a:xfrm>
           <a:prstGeom prst="straightConnector1">
@@ -4313,6 +4207,91 @@
           </a:fontRef>
         </p:style>
       </p:cxnSp>
+      <p:grpSp>
+        <p:nvGrpSpPr>
+          <p:cNvPr id="8" name="그룹 7"/>
+          <p:cNvGrpSpPr/>
+          <p:nvPr/>
+        </p:nvGrpSpPr>
+        <p:grpSpPr>
+          <a:xfrm>
+            <a:off x="458554" y="4202551"/>
+            <a:ext cx="2899131" cy="1800000"/>
+            <a:chOff x="421978" y="4348855"/>
+            <a:chExt cx="2899131" cy="1800000"/>
+          </a:xfrm>
+        </p:grpSpPr>
+        <p:pic>
+          <p:nvPicPr>
+            <p:cNvPr id="5" name="그림 4"/>
+            <p:cNvPicPr>
+              <a:picLocks noChangeAspect="1"/>
+            </p:cNvPicPr>
+            <p:nvPr/>
+          </p:nvPicPr>
+          <p:blipFill>
+            <a:blip r:embed="rId5" cstate="print">
+              <a:extLst>
+                <a:ext uri="{28A0092B-C50C-407E-A947-70E740481C1C}">
+                  <a14:useLocalDpi xmlns:a14="http://schemas.microsoft.com/office/drawing/2010/main" val="0"/>
+                </a:ext>
+              </a:extLst>
+            </a:blip>
+            <a:stretch>
+              <a:fillRect/>
+            </a:stretch>
+          </p:blipFill>
+          <p:spPr>
+            <a:xfrm>
+              <a:off x="421978" y="4348855"/>
+              <a:ext cx="1557313" cy="1800000"/>
+            </a:xfrm>
+            <a:prstGeom prst="rect">
+              <a:avLst/>
+            </a:prstGeom>
+            <a:ln>
+              <a:solidFill>
+                <a:schemeClr val="tx1"/>
+              </a:solidFill>
+            </a:ln>
+          </p:spPr>
+        </p:pic>
+        <p:pic>
+          <p:nvPicPr>
+            <p:cNvPr id="7" name="그림 6"/>
+            <p:cNvPicPr>
+              <a:picLocks noChangeAspect="1"/>
+            </p:cNvPicPr>
+            <p:nvPr/>
+          </p:nvPicPr>
+          <p:blipFill>
+            <a:blip r:embed="rId6" cstate="print">
+              <a:extLst>
+                <a:ext uri="{28A0092B-C50C-407E-A947-70E740481C1C}">
+                  <a14:useLocalDpi xmlns:a14="http://schemas.microsoft.com/office/drawing/2010/main" val="0"/>
+                </a:ext>
+              </a:extLst>
+            </a:blip>
+            <a:stretch>
+              <a:fillRect/>
+            </a:stretch>
+          </p:blipFill>
+          <p:spPr>
+            <a:xfrm>
+              <a:off x="1971109" y="4348855"/>
+              <a:ext cx="1350000" cy="1800000"/>
+            </a:xfrm>
+            <a:prstGeom prst="rect">
+              <a:avLst/>
+            </a:prstGeom>
+            <a:ln>
+              <a:solidFill>
+                <a:schemeClr val="tx1"/>
+              </a:solidFill>
+            </a:ln>
+          </p:spPr>
+        </p:pic>
+      </p:grpSp>
     </p:spTree>
     <p:extLst>
       <p:ext uri="{BB962C8B-B14F-4D97-AF65-F5344CB8AC3E}">
